--- a/python-for-beginners/Slides/1 - Getting started.pptx
+++ b/python-for-beginners/Slides/1 - Getting started.pptx
@@ -2962,9 +2962,26 @@
         <a:lstStyle/>
         <a:p>
           <a:r>
+            <a:rPr lang="en-US" dirty="0" err="1"/>
+            <a:t>Linguagem</a:t>
+          </a:r>
+          <a:r>
             <a:rPr lang="en-US" dirty="0"/>
-            <a:t>Flexible programming language</a:t>
+            <a:t> de </a:t>
           </a:r>
+          <a:r>
+            <a:rPr lang="en-US" dirty="0" err="1"/>
+            <a:t>Programação</a:t>
+          </a:r>
+          <a:r>
+            <a:rPr lang="en-US" dirty="0"/>
+            <a:t> </a:t>
+          </a:r>
+          <a:r>
+            <a:rPr lang="en-US" dirty="0" err="1"/>
+            <a:t>Flexível</a:t>
+          </a:r>
+          <a:endParaRPr lang="en-US" dirty="0"/>
         </a:p>
       </dgm:t>
     </dgm:pt>
@@ -2998,9 +3015,10 @@
         <a:lstStyle/>
         <a:p>
           <a:r>
-            <a:rPr lang="en-US"/>
-            <a:t>Designed to be human readable</a:t>
+            <a:rPr lang="pt-BR" dirty="0"/>
+            <a:t>Projetado para ser legível por humanos</a:t>
           </a:r>
+          <a:endParaRPr lang="en-US" dirty="0"/>
         </a:p>
       </dgm:t>
     </dgm:pt>
@@ -3188,10 +3206,10 @@
         <a:lstStyle/>
         <a:p>
           <a:r>
-            <a:rPr lang="en-US" baseline="0"/>
-            <a:t>Great starter language</a:t>
+            <a:rPr lang="pt-BR" dirty="0"/>
+            <a:t>Ótima linguagem para iniciar</a:t>
           </a:r>
-          <a:endParaRPr lang="en-US"/>
+          <a:endParaRPr lang="en-US" dirty="0"/>
         </a:p>
       </dgm:t>
     </dgm:pt>
@@ -3225,10 +3243,26 @@
         <a:lstStyle/>
         <a:p>
           <a:r>
-            <a:rPr lang="en-US" baseline="0"/>
-            <a:t>Great advanced language</a:t>
+            <a:rPr lang="en-US" baseline="0" dirty="0" err="1"/>
+            <a:t>Excelente</a:t>
           </a:r>
-          <a:endParaRPr lang="en-US"/>
+          <a:r>
+            <a:rPr lang="en-US" baseline="0" dirty="0"/>
+            <a:t> </a:t>
+          </a:r>
+          <a:r>
+            <a:rPr lang="en-US" baseline="0" dirty="0" err="1"/>
+            <a:t>linguagem</a:t>
+          </a:r>
+          <a:r>
+            <a:rPr lang="en-US" baseline="0" dirty="0"/>
+            <a:t> </a:t>
+          </a:r>
+          <a:r>
+            <a:rPr lang="en-US" baseline="0" dirty="0" err="1"/>
+            <a:t>avançada</a:t>
+          </a:r>
+          <a:endParaRPr lang="en-US" dirty="0"/>
         </a:p>
       </dgm:t>
     </dgm:pt>
@@ -3262,10 +3296,18 @@
         <a:lstStyle/>
         <a:p>
           <a:r>
-            <a:rPr lang="en-US" baseline="0"/>
-            <a:t>Wonderful community</a:t>
+            <a:rPr lang="en-US" baseline="0" dirty="0" err="1"/>
+            <a:t>Comunidade</a:t>
           </a:r>
-          <a:endParaRPr lang="en-US"/>
+          <a:r>
+            <a:rPr lang="en-US" baseline="0" dirty="0"/>
+            <a:t> </a:t>
+          </a:r>
+          <a:r>
+            <a:rPr lang="en-US" baseline="0" dirty="0" err="1"/>
+            <a:t>maravilhosa</a:t>
+          </a:r>
+          <a:endParaRPr lang="en-US" dirty="0"/>
         </a:p>
       </dgm:t>
     </dgm:pt>
@@ -3514,10 +3556,14 @@
         <a:lstStyle/>
         <a:p>
           <a:r>
-            <a:rPr lang="en-US" baseline="0"/>
-            <a:t>Machine learning models</a:t>
+            <a:rPr lang="en-US" baseline="0" dirty="0" err="1"/>
+            <a:t>Modelos</a:t>
           </a:r>
-          <a:endParaRPr lang="en-US"/>
+          <a:r>
+            <a:rPr lang="en-US" baseline="0" dirty="0"/>
+            <a:t> de Machine Learning</a:t>
+          </a:r>
+          <a:endParaRPr lang="en-US" dirty="0"/>
         </a:p>
       </dgm:t>
     </dgm:pt>
@@ -3551,10 +3597,22 @@
         <a:lstStyle/>
         <a:p>
           <a:r>
-            <a:rPr lang="en-US" baseline="0"/>
-            <a:t>Artificial intelligence projects</a:t>
+            <a:rPr lang="en-US" baseline="0" dirty="0" err="1"/>
+            <a:t>Projetos</a:t>
           </a:r>
-          <a:endParaRPr lang="en-US"/>
+          <a:r>
+            <a:rPr lang="en-US" baseline="0" dirty="0"/>
+            <a:t> de </a:t>
+          </a:r>
+          <a:r>
+            <a:rPr lang="en-US" baseline="0" dirty="0" err="1"/>
+            <a:t>Inteligência</a:t>
+          </a:r>
+          <a:r>
+            <a:rPr lang="en-US" baseline="0" dirty="0"/>
+            <a:t> Artificial</a:t>
+          </a:r>
+          <a:endParaRPr lang="en-US" dirty="0"/>
         </a:p>
       </dgm:t>
     </dgm:pt>
@@ -3588,10 +3646,14 @@
         <a:lstStyle/>
         <a:p>
           <a:r>
-            <a:rPr lang="en-US" baseline="0"/>
-            <a:t>Web applications</a:t>
+            <a:rPr lang="en-US" baseline="0" dirty="0" err="1"/>
+            <a:t>Aplicações</a:t>
           </a:r>
-          <a:endParaRPr lang="en-US"/>
+          <a:r>
+            <a:rPr lang="en-US" baseline="0" dirty="0"/>
+            <a:t> Web</a:t>
+          </a:r>
+          <a:endParaRPr lang="en-US" dirty="0"/>
         </a:p>
       </dgm:t>
     </dgm:pt>
@@ -3625,10 +3687,18 @@
         <a:lstStyle/>
         <a:p>
           <a:r>
-            <a:rPr lang="en-US" baseline="0"/>
-            <a:t>Automation utilities</a:t>
+            <a:rPr lang="en-US" baseline="0" dirty="0" err="1"/>
+            <a:t>Utilitários</a:t>
           </a:r>
-          <a:endParaRPr lang="en-US"/>
+          <a:r>
+            <a:rPr lang="en-US" baseline="0" dirty="0"/>
+            <a:t> de </a:t>
+          </a:r>
+          <a:r>
+            <a:rPr lang="en-US" baseline="0" dirty="0" err="1"/>
+            <a:t>automação</a:t>
+          </a:r>
+          <a:endParaRPr lang="en-US" dirty="0"/>
         </a:p>
       </dgm:t>
     </dgm:pt>
@@ -3662,8 +3732,28 @@
         <a:lstStyle/>
         <a:p>
           <a:r>
+            <a:rPr lang="en-US" baseline="0" dirty="0" err="1"/>
+            <a:t>Qualquer</a:t>
+          </a:r>
+          <a:r>
             <a:rPr lang="en-US" baseline="0" dirty="0"/>
-            <a:t>Anything, really</a:t>
+            <a:t> </a:t>
+          </a:r>
+          <a:r>
+            <a:rPr lang="en-US" baseline="0" dirty="0" err="1"/>
+            <a:t>coisa</a:t>
+          </a:r>
+          <a:r>
+            <a:rPr lang="en-US" baseline="0" dirty="0"/>
+            <a:t>. </a:t>
+          </a:r>
+          <a:r>
+            <a:rPr lang="en-US" baseline="0" dirty="0" err="1"/>
+            <a:t>Mesmo</a:t>
+          </a:r>
+          <a:r>
+            <a:rPr lang="en-US" baseline="0" dirty="0"/>
+            <a:t>!</a:t>
           </a:r>
           <a:endParaRPr lang="en-US" dirty="0"/>
         </a:p>
@@ -4161,9 +4251,26 @@
             <a:buNone/>
           </a:pPr>
           <a:r>
+            <a:rPr lang="en-US" sz="2500" kern="1200" dirty="0" err="1"/>
+            <a:t>Linguagem</a:t>
+          </a:r>
+          <a:r>
             <a:rPr lang="en-US" sz="2500" kern="1200" dirty="0"/>
-            <a:t>Flexible programming language</a:t>
+            <a:t> de </a:t>
           </a:r>
+          <a:r>
+            <a:rPr lang="en-US" sz="2500" kern="1200" dirty="0" err="1"/>
+            <a:t>Programação</a:t>
+          </a:r>
+          <a:r>
+            <a:rPr lang="en-US" sz="2500" kern="1200" dirty="0"/>
+            <a:t> </a:t>
+          </a:r>
+          <a:r>
+            <a:rPr lang="en-US" sz="2500" kern="1200" dirty="0" err="1"/>
+            <a:t>Flexível</a:t>
+          </a:r>
+          <a:endParaRPr lang="en-US" sz="2500" kern="1200" dirty="0"/>
         </a:p>
       </dsp:txBody>
       <dsp:txXfrm>
@@ -4312,9 +4419,10 @@
             <a:buNone/>
           </a:pPr>
           <a:r>
-            <a:rPr lang="en-US" sz="2500" kern="1200"/>
-            <a:t>Designed to be human readable</a:t>
+            <a:rPr lang="pt-BR" sz="2500" kern="1200" dirty="0"/>
+            <a:t>Projetado para ser legível por humanos</a:t>
           </a:r>
+          <a:endParaRPr lang="en-US" sz="2500" kern="1200" dirty="0"/>
         </a:p>
       </dsp:txBody>
       <dsp:txXfrm>
@@ -4475,10 +4583,10 @@
             <a:buNone/>
           </a:pPr>
           <a:r>
-            <a:rPr lang="en-US" sz="2500" kern="1200" baseline="0"/>
-            <a:t>Great starter language</a:t>
+            <a:rPr lang="pt-BR" sz="2500" kern="1200" dirty="0"/>
+            <a:t>Ótima linguagem para iniciar</a:t>
           </a:r>
-          <a:endParaRPr lang="en-US" sz="2500" kern="1200"/>
+          <a:endParaRPr lang="en-US" sz="2500" kern="1200" dirty="0"/>
         </a:p>
       </dsp:txBody>
       <dsp:txXfrm>
@@ -4627,10 +4735,26 @@
             <a:buNone/>
           </a:pPr>
           <a:r>
-            <a:rPr lang="en-US" sz="2500" kern="1200" baseline="0"/>
-            <a:t>Great advanced language</a:t>
+            <a:rPr lang="en-US" sz="2500" kern="1200" baseline="0" dirty="0" err="1"/>
+            <a:t>Excelente</a:t>
           </a:r>
-          <a:endParaRPr lang="en-US" sz="2500" kern="1200"/>
+          <a:r>
+            <a:rPr lang="en-US" sz="2500" kern="1200" baseline="0" dirty="0"/>
+            <a:t> </a:t>
+          </a:r>
+          <a:r>
+            <a:rPr lang="en-US" sz="2500" kern="1200" baseline="0" dirty="0" err="1"/>
+            <a:t>linguagem</a:t>
+          </a:r>
+          <a:r>
+            <a:rPr lang="en-US" sz="2500" kern="1200" baseline="0" dirty="0"/>
+            <a:t> </a:t>
+          </a:r>
+          <a:r>
+            <a:rPr lang="en-US" sz="2500" kern="1200" baseline="0" dirty="0" err="1"/>
+            <a:t>avançada</a:t>
+          </a:r>
+          <a:endParaRPr lang="en-US" sz="2500" kern="1200" dirty="0"/>
         </a:p>
       </dsp:txBody>
       <dsp:txXfrm>
@@ -4779,10 +4903,18 @@
             <a:buNone/>
           </a:pPr>
           <a:r>
-            <a:rPr lang="en-US" sz="2500" kern="1200" baseline="0"/>
-            <a:t>Wonderful community</a:t>
+            <a:rPr lang="en-US" sz="2500" kern="1200" baseline="0" dirty="0" err="1"/>
+            <a:t>Comunidade</a:t>
           </a:r>
-          <a:endParaRPr lang="en-US" sz="2500" kern="1200"/>
+          <a:r>
+            <a:rPr lang="en-US" sz="2500" kern="1200" baseline="0" dirty="0"/>
+            <a:t> </a:t>
+          </a:r>
+          <a:r>
+            <a:rPr lang="en-US" sz="2500" kern="1200" baseline="0" dirty="0" err="1"/>
+            <a:t>maravilhosa</a:t>
+          </a:r>
+          <a:endParaRPr lang="en-US" sz="2500" kern="1200" dirty="0"/>
         </a:p>
       </dsp:txBody>
       <dsp:txXfrm>
@@ -4943,10 +5075,14 @@
             <a:buNone/>
           </a:pPr>
           <a:r>
-            <a:rPr lang="en-US" sz="1900" kern="1200" baseline="0"/>
-            <a:t>Machine learning models</a:t>
+            <a:rPr lang="en-US" sz="1900" kern="1200" baseline="0" dirty="0" err="1"/>
+            <a:t>Modelos</a:t>
           </a:r>
-          <a:endParaRPr lang="en-US" sz="1900" kern="1200"/>
+          <a:r>
+            <a:rPr lang="en-US" sz="1900" kern="1200" baseline="0" dirty="0"/>
+            <a:t> de Machine Learning</a:t>
+          </a:r>
+          <a:endParaRPr lang="en-US" sz="1900" kern="1200" dirty="0"/>
         </a:p>
       </dsp:txBody>
       <dsp:txXfrm>
@@ -5095,10 +5231,22 @@
             <a:buNone/>
           </a:pPr>
           <a:r>
-            <a:rPr lang="en-US" sz="1900" kern="1200" baseline="0"/>
-            <a:t>Artificial intelligence projects</a:t>
+            <a:rPr lang="en-US" sz="1900" kern="1200" baseline="0" dirty="0" err="1"/>
+            <a:t>Projetos</a:t>
           </a:r>
-          <a:endParaRPr lang="en-US" sz="1900" kern="1200"/>
+          <a:r>
+            <a:rPr lang="en-US" sz="1900" kern="1200" baseline="0" dirty="0"/>
+            <a:t> de </a:t>
+          </a:r>
+          <a:r>
+            <a:rPr lang="en-US" sz="1900" kern="1200" baseline="0" dirty="0" err="1"/>
+            <a:t>Inteligência</a:t>
+          </a:r>
+          <a:r>
+            <a:rPr lang="en-US" sz="1900" kern="1200" baseline="0" dirty="0"/>
+            <a:t> Artificial</a:t>
+          </a:r>
+          <a:endParaRPr lang="en-US" sz="1900" kern="1200" dirty="0"/>
         </a:p>
       </dsp:txBody>
       <dsp:txXfrm>
@@ -5247,10 +5395,14 @@
             <a:buNone/>
           </a:pPr>
           <a:r>
-            <a:rPr lang="en-US" sz="1900" kern="1200" baseline="0"/>
-            <a:t>Web applications</a:t>
+            <a:rPr lang="en-US" sz="1900" kern="1200" baseline="0" dirty="0" err="1"/>
+            <a:t>Aplicações</a:t>
           </a:r>
-          <a:endParaRPr lang="en-US" sz="1900" kern="1200"/>
+          <a:r>
+            <a:rPr lang="en-US" sz="1900" kern="1200" baseline="0" dirty="0"/>
+            <a:t> Web</a:t>
+          </a:r>
+          <a:endParaRPr lang="en-US" sz="1900" kern="1200" dirty="0"/>
         </a:p>
       </dsp:txBody>
       <dsp:txXfrm>
@@ -5399,10 +5551,18 @@
             <a:buNone/>
           </a:pPr>
           <a:r>
-            <a:rPr lang="en-US" sz="1900" kern="1200" baseline="0"/>
-            <a:t>Automation utilities</a:t>
+            <a:rPr lang="en-US" sz="1900" kern="1200" baseline="0" dirty="0" err="1"/>
+            <a:t>Utilitários</a:t>
           </a:r>
-          <a:endParaRPr lang="en-US" sz="1900" kern="1200"/>
+          <a:r>
+            <a:rPr lang="en-US" sz="1900" kern="1200" baseline="0" dirty="0"/>
+            <a:t> de </a:t>
+          </a:r>
+          <a:r>
+            <a:rPr lang="en-US" sz="1900" kern="1200" baseline="0" dirty="0" err="1"/>
+            <a:t>automação</a:t>
+          </a:r>
+          <a:endParaRPr lang="en-US" sz="1900" kern="1200" dirty="0"/>
         </a:p>
       </dsp:txBody>
       <dsp:txXfrm>
@@ -5549,8 +5709,28 @@
             <a:buNone/>
           </a:pPr>
           <a:r>
+            <a:rPr lang="en-US" sz="1900" kern="1200" baseline="0" dirty="0" err="1"/>
+            <a:t>Qualquer</a:t>
+          </a:r>
+          <a:r>
             <a:rPr lang="en-US" sz="1900" kern="1200" baseline="0" dirty="0"/>
-            <a:t>Anything, really</a:t>
+            <a:t> </a:t>
+          </a:r>
+          <a:r>
+            <a:rPr lang="en-US" sz="1900" kern="1200" baseline="0" dirty="0" err="1"/>
+            <a:t>coisa</a:t>
+          </a:r>
+          <a:r>
+            <a:rPr lang="en-US" sz="1900" kern="1200" baseline="0" dirty="0"/>
+            <a:t>. </a:t>
+          </a:r>
+          <a:r>
+            <a:rPr lang="en-US" sz="1900" kern="1200" baseline="0" dirty="0" err="1"/>
+            <a:t>Mesmo</a:t>
+          </a:r>
+          <a:r>
+            <a:rPr lang="en-US" sz="1900" kern="1200" baseline="0" dirty="0"/>
+            <a:t>!</a:t>
           </a:r>
           <a:endParaRPr lang="en-US" sz="1900" kern="1200" dirty="0"/>
         </a:p>
@@ -9634,7 +9814,7 @@
               <a:rPr lang="en-US" smtClean="0">
                 <a:latin typeface="Segoe UI" pitchFamily="34" charset="0"/>
               </a:rPr>
-              <a:t>6/9/2019 3:52 PM</a:t>
+              <a:t>7/17/2020 6:25 PM</a:t>
             </a:fld>
             <a:endParaRPr lang="en-US" dirty="0">
               <a:latin typeface="Segoe UI" pitchFamily="34" charset="0"/>
@@ -9912,7 +10092,7 @@
           <a:p>
             <a:fld id="{38EEC551-8CDA-4EB6-89BB-2A86C9F091C8}" type="datetime8">
               <a:rPr lang="en-US" smtClean="0"/>
-              <a:t>6/9/2019 3:51 PM</a:t>
+              <a:t>7/17/2020 6:25 PM</a:t>
             </a:fld>
             <a:endParaRPr lang="en-US" dirty="0"/>
           </a:p>
@@ -48320,8 +48500,21 @@
                   <a:schemeClr val="bg1"/>
                 </a:solidFill>
               </a:rPr>
-              <a:t>Getting started</a:t>
+              <a:t>Python para </a:t>
             </a:r>
+            <a:r>
+              <a:rPr lang="en-US" dirty="0" err="1">
+                <a:solidFill>
+                  <a:schemeClr val="bg1"/>
+                </a:solidFill>
+              </a:rPr>
+              <a:t>Iniciantes</a:t>
+            </a:r>
+            <a:endParaRPr lang="en-US" dirty="0">
+              <a:solidFill>
+                <a:schemeClr val="bg1"/>
+              </a:solidFill>
+            </a:endParaRPr>
           </a:p>
         </p:txBody>
       </p:sp>
@@ -48378,7 +48571,7 @@
           <a:p>
             <a:r>
               <a:rPr lang="en-US" dirty="0"/>
-              <a:t>What is Python?</a:t>
+              <a:t>O que é Python?</a:t>
             </a:r>
           </a:p>
         </p:txBody>
@@ -48426,7 +48619,7 @@
         <p:spPr>
           <a:xfrm>
             <a:off x="350837" y="449263"/>
-            <a:ext cx="11582400" cy="3276600"/>
+            <a:ext cx="11582400" cy="4431983"/>
           </a:xfrm>
         </p:spPr>
         <p:txBody>
@@ -48434,9 +48627,387 @@
           <a:lstStyle/>
           <a:p>
             <a:r>
-              <a:rPr lang="en-US" dirty="0"/>
-              <a:t>Python is an interpreted, high-level, general-purpose programming language. Created by Guido van Rossum and first released in 1991, Python's design philosophy emphasizes code readability with its notable use of significant whitespace. Its language constructs and object-oriented approach aims to help programmers write clear, logical code for small and large-scale projects.</a:t>
+              <a:rPr lang="pt-BR" sz="1400" b="1" i="1" dirty="0"/>
+              <a:t>Python</a:t>
             </a:r>
+            <a:r>
+              <a:rPr lang="pt-BR" sz="1400" dirty="0"/>
+              <a:t> é uma </a:t>
+            </a:r>
+            <a:r>
+              <a:rPr lang="pt-BR" sz="1400" dirty="0">
+                <a:hlinkClick r:id="rId2" tooltip="Linguagem de programação de alto nível"/>
+              </a:rPr>
+              <a:t>linguagem de programação de alto nível</a:t>
+            </a:r>
+            <a:r>
+              <a:rPr lang="pt-BR" sz="1400" dirty="0"/>
+              <a:t>,</a:t>
+            </a:r>
+            <a:r>
+              <a:rPr lang="pt-BR" sz="1400" baseline="30000" dirty="0">
+                <a:hlinkClick r:id="rId3"/>
+              </a:rPr>
+              <a:t>[5]</a:t>
+            </a:r>
+            <a:r>
+              <a:rPr lang="pt-BR" sz="1400" dirty="0"/>
+              <a:t> </a:t>
+            </a:r>
+            <a:r>
+              <a:rPr lang="pt-BR" sz="1400" dirty="0">
+                <a:hlinkClick r:id="rId4" tooltip="Linguagem interpretada"/>
+              </a:rPr>
+              <a:t>interpretada</a:t>
+            </a:r>
+            <a:r>
+              <a:rPr lang="pt-BR" sz="1400" dirty="0"/>
+              <a:t>, de </a:t>
+            </a:r>
+            <a:r>
+              <a:rPr lang="pt-BR" sz="1400" dirty="0">
+                <a:hlinkClick r:id="rId5" tooltip="Linguagem de script"/>
+              </a:rPr>
+              <a:t>script</a:t>
+            </a:r>
+            <a:r>
+              <a:rPr lang="pt-BR" sz="1400" dirty="0"/>
+              <a:t>, </a:t>
+            </a:r>
+            <a:r>
+              <a:rPr lang="pt-BR" sz="1400" dirty="0">
+                <a:hlinkClick r:id="rId6" tooltip="Programação imperativa"/>
+              </a:rPr>
+              <a:t>imperativa</a:t>
+            </a:r>
+            <a:r>
+              <a:rPr lang="pt-BR" sz="1400" dirty="0"/>
+              <a:t>, </a:t>
+            </a:r>
+            <a:r>
+              <a:rPr lang="pt-BR" sz="1400" dirty="0">
+                <a:hlinkClick r:id="rId7" tooltip="Orientação a objetos"/>
+              </a:rPr>
+              <a:t>orientada a objetos</a:t>
+            </a:r>
+            <a:r>
+              <a:rPr lang="pt-BR" sz="1400" dirty="0"/>
+              <a:t>, </a:t>
+            </a:r>
+            <a:r>
+              <a:rPr lang="pt-BR" sz="1400" dirty="0">
+                <a:hlinkClick r:id="rId8" tooltip="Programação funcional"/>
+              </a:rPr>
+              <a:t>funcional</a:t>
+            </a:r>
+            <a:r>
+              <a:rPr lang="pt-BR" sz="1400" dirty="0"/>
+              <a:t>, de </a:t>
+            </a:r>
+            <a:r>
+              <a:rPr lang="pt-BR" sz="1400" dirty="0">
+                <a:hlinkClick r:id="rId9" tooltip="Tipo de dado"/>
+              </a:rPr>
+              <a:t>tipagem</a:t>
+            </a:r>
+            <a:r>
+              <a:rPr lang="pt-BR" sz="1400" dirty="0"/>
+              <a:t> dinâmica e forte. Foi lançada por </a:t>
+            </a:r>
+            <a:r>
+              <a:rPr lang="pt-BR" sz="1400" dirty="0">
+                <a:hlinkClick r:id="rId10" tooltip="Guido van Rossum"/>
+              </a:rPr>
+              <a:t>Guido van Rossum</a:t>
+            </a:r>
+            <a:r>
+              <a:rPr lang="pt-BR" sz="1400" dirty="0"/>
+              <a:t> em </a:t>
+            </a:r>
+            <a:r>
+              <a:rPr lang="pt-BR" sz="1400" dirty="0">
+                <a:hlinkClick r:id="rId11" tooltip="1991"/>
+              </a:rPr>
+              <a:t>1991</a:t>
+            </a:r>
+            <a:r>
+              <a:rPr lang="pt-BR" sz="1400" dirty="0"/>
+              <a:t>.</a:t>
+            </a:r>
+            <a:r>
+              <a:rPr lang="pt-BR" sz="1400" baseline="30000" dirty="0">
+                <a:hlinkClick r:id="rId12"/>
+              </a:rPr>
+              <a:t>[1]</a:t>
+            </a:r>
+            <a:r>
+              <a:rPr lang="pt-BR" sz="1400" dirty="0"/>
+              <a:t> Atualmente possui um modelo de desenvolvimento comunitário, aberto e gerenciado pela </a:t>
+            </a:r>
+            <a:r>
+              <a:rPr lang="pt-BR" sz="1400" dirty="0">
+                <a:hlinkClick r:id="rId13" tooltip="Organização sem fins lucrativos"/>
+              </a:rPr>
+              <a:t>organização sem fins lucrativos</a:t>
+            </a:r>
+            <a:r>
+              <a:rPr lang="pt-BR" sz="1400" dirty="0"/>
+              <a:t> </a:t>
+            </a:r>
+            <a:r>
+              <a:rPr lang="pt-BR" sz="1400" dirty="0">
+                <a:hlinkClick r:id="rId14" tooltip="Python Software Foundation"/>
+              </a:rPr>
+              <a:t>Python Software Foundation</a:t>
+            </a:r>
+            <a:r>
+              <a:rPr lang="pt-BR" sz="1400" dirty="0"/>
+              <a:t>. Apesar de várias partes da linguagem possuírem padrões e especificações formais, a linguagem como um todo não é formalmente especificada. O padrão </a:t>
+            </a:r>
+            <a:r>
+              <a:rPr lang="pt-BR" sz="1400" i="1" dirty="0">
+                <a:hlinkClick r:id="rId15" tooltip="De facto"/>
+              </a:rPr>
+              <a:t>de facto</a:t>
+            </a:r>
+            <a:r>
+              <a:rPr lang="pt-BR" sz="1400" dirty="0"/>
+              <a:t> é a implementação </a:t>
+            </a:r>
+            <a:r>
+              <a:rPr lang="pt-BR" sz="1400" dirty="0">
+                <a:hlinkClick r:id="rId16" tooltip="CPython"/>
+              </a:rPr>
+              <a:t>CPython</a:t>
+            </a:r>
+            <a:r>
+              <a:rPr lang="pt-BR" sz="1400" dirty="0"/>
+              <a:t>.</a:t>
+            </a:r>
+            <a:br>
+              <a:rPr lang="pt-BR" sz="1400" dirty="0"/>
+            </a:br>
+            <a:r>
+              <a:rPr lang="pt-BR" sz="1400" dirty="0"/>
+              <a:t>A linguagem foi projetada com a filosofia de enfatizar a importância do esforço do programador sobre o esforço computacional. Prioriza a legibilidade do código sobre a velocidade ou expressividade. Combina uma </a:t>
+            </a:r>
+            <a:r>
+              <a:rPr lang="pt-BR" sz="1400" dirty="0">
+                <a:hlinkClick r:id="rId17" tooltip="Sintaxe"/>
+              </a:rPr>
+              <a:t>sintaxe</a:t>
+            </a:r>
+            <a:r>
+              <a:rPr lang="pt-BR" sz="1400" dirty="0"/>
+              <a:t> concisa e clara com os recursos poderosos de sua </a:t>
+            </a:r>
+            <a:r>
+              <a:rPr lang="pt-BR" sz="1400" dirty="0">
+                <a:hlinkClick r:id="rId18" tooltip="Biblioteca de rotinas"/>
+              </a:rPr>
+              <a:t>biblioteca</a:t>
+            </a:r>
+            <a:r>
+              <a:rPr lang="pt-BR" sz="1400" dirty="0"/>
+              <a:t> padrão e por </a:t>
+            </a:r>
+            <a:r>
+              <a:rPr lang="pt-BR" sz="1400" dirty="0">
+                <a:hlinkClick r:id="rId19" tooltip="Módulo de um programa"/>
+              </a:rPr>
+              <a:t>módulos</a:t>
+            </a:r>
+            <a:r>
+              <a:rPr lang="pt-BR" sz="1400" dirty="0"/>
+              <a:t> e </a:t>
+            </a:r>
+            <a:r>
+              <a:rPr lang="pt-BR" sz="1400" i="1" dirty="0">
+                <a:hlinkClick r:id="rId20" tooltip="Framework"/>
+              </a:rPr>
+              <a:t>frameworks</a:t>
+            </a:r>
+            <a:r>
+              <a:rPr lang="pt-BR" sz="1400" dirty="0"/>
+              <a:t> desenvolvidos por terceiros.</a:t>
+            </a:r>
+            <a:br>
+              <a:rPr lang="pt-BR" sz="1400" dirty="0"/>
+            </a:br>
+            <a:r>
+              <a:rPr lang="pt-BR" sz="1400" dirty="0"/>
+              <a:t>Python é uma linguagem de propósito geral de </a:t>
+            </a:r>
+            <a:r>
+              <a:rPr lang="pt-BR" sz="1400" dirty="0">
+                <a:hlinkClick r:id="rId2" tooltip="Linguagem de programação de alto nível"/>
+              </a:rPr>
+              <a:t>alto nível</a:t>
+            </a:r>
+            <a:r>
+              <a:rPr lang="pt-BR" sz="1400" dirty="0"/>
+              <a:t>, </a:t>
+            </a:r>
+            <a:r>
+              <a:rPr lang="pt-BR" sz="1400" dirty="0">
+                <a:hlinkClick r:id="rId21" tooltip="Linguagem de programação multiparadigma"/>
+              </a:rPr>
+              <a:t>multiparadigma</a:t>
+            </a:r>
+            <a:r>
+              <a:rPr lang="pt-BR" sz="1400" dirty="0"/>
+              <a:t>, suporta o paradigma orientado a objetos, imperativo, funcional e procedural. Possui tipagem dinâmica e uma de suas principais características é permitir a fácil leitura do código e exigir poucas linhas de código se comparado ao mesmo programa em outras linguagens. Devido às suas características, ela é principalmente utilizada para processamento de textos, dados científicos e criação de </a:t>
+            </a:r>
+            <a:r>
+              <a:rPr lang="pt-BR" sz="1400" dirty="0">
+                <a:hlinkClick r:id="rId22" tooltip="CGI"/>
+              </a:rPr>
+              <a:t>CGIs</a:t>
+            </a:r>
+            <a:r>
+              <a:rPr lang="pt-BR" sz="1400" dirty="0"/>
+              <a:t> para páginas dinâmicas para a web. Foi considerada pelo público a 3ª linguagem "mais amada", de acordo com uma pesquisa conduzida pelo </a:t>
+            </a:r>
+            <a:r>
+              <a:rPr lang="pt-BR" sz="1400" i="1" dirty="0"/>
+              <a:t>site</a:t>
+            </a:r>
+            <a:r>
+              <a:rPr lang="pt-BR" sz="1400" dirty="0"/>
+              <a:t> </a:t>
+            </a:r>
+            <a:r>
+              <a:rPr lang="pt-BR" sz="1400" dirty="0">
+                <a:hlinkClick r:id="rId23" tooltip="Stack Overflow"/>
+              </a:rPr>
+              <a:t>Stack Overflow</a:t>
+            </a:r>
+            <a:r>
+              <a:rPr lang="pt-BR" sz="1400" dirty="0"/>
+              <a:t> em 2018,</a:t>
+            </a:r>
+            <a:r>
+              <a:rPr lang="pt-BR" sz="1400" baseline="30000" dirty="0">
+                <a:hlinkClick r:id="rId24"/>
+              </a:rPr>
+              <a:t>[6]</a:t>
+            </a:r>
+            <a:r>
+              <a:rPr lang="pt-BR" sz="1400" dirty="0"/>
+              <a:t> e está entre as 5 linguagens mais populares, de acordo com uma pesquisa conduzida pela </a:t>
+            </a:r>
+            <a:r>
+              <a:rPr lang="pt-BR" sz="1400" dirty="0">
+                <a:hlinkClick r:id="rId25" tooltip="RedMonk"/>
+              </a:rPr>
+              <a:t>RedMonk</a:t>
+            </a:r>
+            <a:r>
+              <a:rPr lang="pt-BR" sz="1400" dirty="0"/>
+              <a:t>.</a:t>
+            </a:r>
+            <a:r>
+              <a:rPr lang="pt-BR" sz="1400" baseline="30000" dirty="0">
+                <a:hlinkClick r:id="rId26"/>
+              </a:rPr>
+              <a:t>[7]</a:t>
+            </a:r>
+            <a:br>
+              <a:rPr lang="pt-BR" sz="1400" dirty="0"/>
+            </a:br>
+            <a:r>
+              <a:rPr lang="pt-BR" sz="1400" dirty="0"/>
+              <a:t>O nome </a:t>
+            </a:r>
+            <a:r>
+              <a:rPr lang="pt-BR" sz="1400" b="1" i="1" dirty="0"/>
+              <a:t>Python</a:t>
+            </a:r>
+            <a:r>
+              <a:rPr lang="pt-BR" sz="1400" dirty="0"/>
+              <a:t> teve a sua origem no grupo humorístico </a:t>
+            </a:r>
+            <a:r>
+              <a:rPr lang="pt-BR" sz="1400" dirty="0">
+                <a:hlinkClick r:id="rId27" tooltip="Reino Unido"/>
+              </a:rPr>
+              <a:t>britânico</a:t>
+            </a:r>
+            <a:r>
+              <a:rPr lang="pt-BR" sz="1400" dirty="0"/>
+              <a:t> </a:t>
+            </a:r>
+            <a:r>
+              <a:rPr lang="pt-BR" sz="1400" dirty="0">
+                <a:hlinkClick r:id="rId28" tooltip="Monty Python"/>
+              </a:rPr>
+              <a:t>Monty Python</a:t>
+            </a:r>
+            <a:r>
+              <a:rPr lang="pt-BR" sz="1400" dirty="0"/>
+              <a:t>,</a:t>
+            </a:r>
+            <a:r>
+              <a:rPr lang="pt-BR" sz="1400" baseline="30000" dirty="0">
+                <a:hlinkClick r:id="rId29"/>
+              </a:rPr>
+              <a:t>[8]</a:t>
+            </a:r>
+            <a:r>
+              <a:rPr lang="pt-BR" sz="1400" dirty="0"/>
+              <a:t> criador do programa </a:t>
+            </a:r>
+            <a:r>
+              <a:rPr lang="pt-BR" sz="1400" i="1" dirty="0">
+                <a:hlinkClick r:id="rId28" tooltip="Monty Python"/>
+              </a:rPr>
+              <a:t>Monty Python's Flying Circus</a:t>
+            </a:r>
+            <a:r>
+              <a:rPr lang="pt-BR" sz="1400" dirty="0"/>
+              <a:t>, embora muitas pessoas façam associação com o </a:t>
+            </a:r>
+            <a:r>
+              <a:rPr lang="pt-BR" sz="1400" dirty="0">
+                <a:hlinkClick r:id="rId30" tooltip="Réptil"/>
+              </a:rPr>
+              <a:t>réptil</a:t>
+            </a:r>
+            <a:r>
+              <a:rPr lang="pt-BR" sz="1400" dirty="0"/>
+              <a:t> do mesmo nome (em </a:t>
+            </a:r>
+            <a:r>
+              <a:rPr lang="pt-BR" sz="1400" dirty="0">
+                <a:hlinkClick r:id="rId31" tooltip="Língua portuguesa"/>
+              </a:rPr>
+              <a:t>português</a:t>
+            </a:r>
+            <a:r>
+              <a:rPr lang="pt-BR" sz="1400" dirty="0"/>
+              <a:t>, </a:t>
+            </a:r>
+            <a:r>
+              <a:rPr lang="pt-BR" sz="1400" i="1" dirty="0">
+                <a:hlinkClick r:id="rId32" tooltip="Píton"/>
+              </a:rPr>
+              <a:t>píton</a:t>
+            </a:r>
+            <a:r>
+              <a:rPr lang="pt-BR" sz="1400" dirty="0"/>
+              <a:t> ou </a:t>
+            </a:r>
+            <a:r>
+              <a:rPr lang="pt-BR" sz="1400" i="1" dirty="0"/>
+              <a:t>pitão</a:t>
+            </a:r>
+            <a:r>
+              <a:rPr lang="pt-BR" sz="1400" dirty="0"/>
+              <a:t>).</a:t>
+            </a:r>
+            <a:br>
+              <a:rPr lang="pt-BR" sz="1400" dirty="0"/>
+            </a:br>
             <a:br>
               <a:rPr lang="en-US" dirty="0"/>
             </a:br>
@@ -48445,7 +49016,7 @@
             </a:br>
             <a:r>
               <a:rPr lang="en-US" sz="2400" dirty="0">
-                <a:hlinkClick r:id="rId2"/>
+                <a:hlinkClick r:id="rId33"/>
               </a:rPr>
               <a:t>https://en.wikipedia.org/wiki/Python_(programming_language)</a:t>
             </a:r>
@@ -49004,14 +49575,14 @@
           <a:p>
             <a:pPr defTabSz="914400"/>
             <a:r>
-              <a:rPr lang="en-US" sz="4400">
+              <a:rPr lang="en-US" sz="4400" dirty="0">
                 <a:solidFill>
                   <a:srgbClr val="FFFFFF"/>
                 </a:solidFill>
                 <a:ea typeface="+mj-ea"/>
                 <a:cs typeface="+mj-cs"/>
               </a:rPr>
-              <a:t>What is Python?</a:t>
+              <a:t>O que é Python?</a:t>
             </a:r>
           </a:p>
         </p:txBody>
@@ -49029,7 +49600,7 @@
           <p:nvPr>
             <p:extLst>
               <p:ext uri="{D42A27DB-BD31-4B8C-83A1-F6EECF244321}">
-                <p14:modId xmlns:p14="http://schemas.microsoft.com/office/powerpoint/2010/main" val="3631796258"/>
+                <p14:modId xmlns:p14="http://schemas.microsoft.com/office/powerpoint/2010/main" val="2826004783"/>
               </p:ext>
             </p:extLst>
           </p:nvPr>
@@ -49600,7 +50171,7 @@
                 <a:ea typeface="+mj-ea"/>
                 <a:cs typeface="+mj-cs"/>
               </a:rPr>
-              <a:t>Why use Python?</a:t>
+              <a:t>O que é Python?</a:t>
             </a:r>
           </a:p>
         </p:txBody>
@@ -49618,7 +50189,7 @@
           <p:nvPr>
             <p:extLst>
               <p:ext uri="{D42A27DB-BD31-4B8C-83A1-F6EECF244321}">
-                <p14:modId xmlns:p14="http://schemas.microsoft.com/office/powerpoint/2010/main" val="2012251746"/>
+                <p14:modId xmlns:p14="http://schemas.microsoft.com/office/powerpoint/2010/main" val="4108659649"/>
               </p:ext>
             </p:extLst>
           </p:nvPr>
@@ -50189,7 +50760,67 @@
                 <a:ea typeface="+mj-ea"/>
                 <a:cs typeface="+mj-cs"/>
               </a:rPr>
-              <a:t>What can I build with Python?</a:t>
+              <a:t>O que </a:t>
+            </a:r>
+            <a:r>
+              <a:rPr lang="en-US" sz="4400" dirty="0" err="1">
+                <a:solidFill>
+                  <a:srgbClr val="FFFFFF"/>
+                </a:solidFill>
+                <a:ea typeface="+mj-ea"/>
+                <a:cs typeface="+mj-cs"/>
+              </a:rPr>
+              <a:t>eu</a:t>
+            </a:r>
+            <a:r>
+              <a:rPr lang="en-US" sz="4400" dirty="0">
+                <a:solidFill>
+                  <a:srgbClr val="FFFFFF"/>
+                </a:solidFill>
+                <a:ea typeface="+mj-ea"/>
+                <a:cs typeface="+mj-cs"/>
+              </a:rPr>
+              <a:t> </a:t>
+            </a:r>
+            <a:r>
+              <a:rPr lang="en-US" sz="4400" dirty="0" err="1">
+                <a:solidFill>
+                  <a:srgbClr val="FFFFFF"/>
+                </a:solidFill>
+                <a:ea typeface="+mj-ea"/>
+                <a:cs typeface="+mj-cs"/>
+              </a:rPr>
+              <a:t>posso</a:t>
+            </a:r>
+            <a:r>
+              <a:rPr lang="en-US" sz="4400" dirty="0">
+                <a:solidFill>
+                  <a:srgbClr val="FFFFFF"/>
+                </a:solidFill>
+                <a:ea typeface="+mj-ea"/>
+                <a:cs typeface="+mj-cs"/>
+              </a:rPr>
+              <a:t> </a:t>
+            </a:r>
+            <a:r>
+              <a:rPr lang="en-US" sz="4400" dirty="0" err="1">
+                <a:solidFill>
+                  <a:srgbClr val="FFFFFF"/>
+                </a:solidFill>
+                <a:ea typeface="+mj-ea"/>
+                <a:cs typeface="+mj-cs"/>
+              </a:rPr>
+              <a:t>fazer</a:t>
+            </a:r>
+            <a:r>
+              <a:rPr lang="en-US" sz="4400" dirty="0">
+                <a:solidFill>
+                  <a:srgbClr val="FFFFFF"/>
+                </a:solidFill>
+                <a:ea typeface="+mj-ea"/>
+                <a:cs typeface="+mj-cs"/>
+              </a:rPr>
+              <a:t> com Python?</a:t>
             </a:r>
           </a:p>
         </p:txBody>
@@ -50207,7 +50838,7 @@
           <p:nvPr>
             <p:extLst>
               <p:ext uri="{D42A27DB-BD31-4B8C-83A1-F6EECF244321}">
-                <p14:modId xmlns:p14="http://schemas.microsoft.com/office/powerpoint/2010/main" val="2389993712"/>
+                <p14:modId xmlns:p14="http://schemas.microsoft.com/office/powerpoint/2010/main" val="2591699125"/>
               </p:ext>
             </p:extLst>
           </p:nvPr>
@@ -50274,9 +50905,10 @@
           <a:lstStyle/>
           <a:p>
             <a:r>
-              <a:rPr lang="en-US" dirty="0"/>
-              <a:t>What do I need to get started?</a:t>
+              <a:rPr lang="pt-BR" dirty="0"/>
+              <a:t>O que eu preciso para começar?</a:t>
             </a:r>
+            <a:endParaRPr lang="en-US" dirty="0"/>
           </a:p>
         </p:txBody>
       </p:sp>
@@ -50308,22 +50940,32 @@
           <a:p>
             <a:r>
               <a:rPr lang="en-US" dirty="0"/>
-              <a:t>Somewhere for Python to run</a:t>
+              <a:t>Como </a:t>
+            </a:r>
+            <a:r>
+              <a:rPr lang="en-US" dirty="0" err="1"/>
+              <a:t>executar</a:t>
+            </a:r>
+            <a:r>
+              <a:rPr lang="en-US" dirty="0"/>
+              <a:t> Python</a:t>
             </a:r>
           </a:p>
           <a:p>
             <a:pPr lvl="1"/>
             <a:r>
-              <a:rPr lang="en-US" dirty="0"/>
-              <a:t>Interpreter</a:t>
+              <a:rPr lang="en-US" dirty="0" err="1"/>
+              <a:t>Interpretador</a:t>
             </a:r>
+            <a:endParaRPr lang="en-US" dirty="0"/>
           </a:p>
           <a:p>
             <a:pPr lvl="2"/>
             <a:r>
-              <a:rPr lang="en-US" dirty="0"/>
-              <a:t>Installation</a:t>
+              <a:rPr lang="en-US" dirty="0" err="1"/>
+              <a:t>Instalação</a:t>
             </a:r>
+            <a:endParaRPr lang="en-US" dirty="0"/>
           </a:p>
           <a:p>
             <a:pPr lvl="3"/>
@@ -50338,9 +50980,18 @@
           <a:p>
             <a:pPr lvl="2"/>
             <a:r>
+              <a:rPr lang="en-US" dirty="0" err="1"/>
+              <a:t>Mais</a:t>
+            </a:r>
+            <a:r>
               <a:rPr lang="en-US" dirty="0"/>
-              <a:t>More info</a:t>
+              <a:t> </a:t>
             </a:r>
+            <a:r>
+              <a:rPr lang="en-US" dirty="0" err="1"/>
+              <a:t>Informações</a:t>
+            </a:r>
+            <a:endParaRPr lang="en-US" dirty="0"/>
           </a:p>
           <a:p>
             <a:pPr lvl="3"/>
@@ -50355,7 +51006,15 @@
           <a:p>
             <a:r>
               <a:rPr lang="en-US" dirty="0"/>
-              <a:t>Something for writing Python</a:t>
+              <a:t>Algo para </a:t>
+            </a:r>
+            <a:r>
+              <a:rPr lang="en-US" dirty="0" err="1"/>
+              <a:t>escrever</a:t>
+            </a:r>
+            <a:r>
+              <a:rPr lang="en-US" dirty="0"/>
+              <a:t> Python</a:t>
             </a:r>
           </a:p>
           <a:p>
@@ -50368,9 +51027,10 @@
           <a:p>
             <a:pPr lvl="2"/>
             <a:r>
-              <a:rPr lang="en-US" dirty="0"/>
-              <a:t>Installation</a:t>
+              <a:rPr lang="en-US" dirty="0" err="1"/>
+              <a:t>Instalação</a:t>
             </a:r>
+            <a:endParaRPr lang="en-US" dirty="0"/>
           </a:p>
           <a:p>
             <a:pPr lvl="3"/>
@@ -50385,9 +51045,10 @@
           <a:p>
             <a:pPr lvl="2"/>
             <a:r>
-              <a:rPr lang="en-US" dirty="0"/>
-              <a:t>Extension</a:t>
+              <a:rPr lang="en-US" dirty="0" err="1"/>
+              <a:t>Extensões</a:t>
             </a:r>
+            <a:endParaRPr lang="en-US" dirty="0"/>
           </a:p>
           <a:p>
             <a:pPr lvl="3"/>
@@ -50402,9 +51063,18 @@
           <a:p>
             <a:pPr lvl="2"/>
             <a:r>
+              <a:rPr lang="en-US" dirty="0" err="1"/>
+              <a:t>Mais</a:t>
+            </a:r>
+            <a:r>
               <a:rPr lang="en-US" dirty="0"/>
-              <a:t>More info</a:t>
+              <a:t> </a:t>
             </a:r>
+            <a:r>
+              <a:rPr lang="en-US" dirty="0" err="1"/>
+              <a:t>Informações</a:t>
+            </a:r>
+            <a:endParaRPr lang="en-US" dirty="0"/>
           </a:p>
           <a:p>
             <a:pPr lvl="3"/>
@@ -50474,9 +51144,18 @@
           <a:lstStyle/>
           <a:p>
             <a:r>
+              <a:rPr lang="en-US" dirty="0" err="1"/>
+              <a:t>Notas</a:t>
+            </a:r>
+            <a:r>
               <a:rPr lang="en-US" dirty="0"/>
-              <a:t>Installation notes</a:t>
+              <a:t> de </a:t>
             </a:r>
+            <a:r>
+              <a:rPr lang="en-US" dirty="0" err="1"/>
+              <a:t>instalação</a:t>
+            </a:r>
+            <a:endParaRPr lang="en-US" dirty="0"/>
           </a:p>
         </p:txBody>
       </p:sp>
@@ -50499,7 +51178,7 @@
         <p:spPr>
           <a:xfrm>
             <a:off x="365760" y="1371600"/>
-            <a:ext cx="11704320" cy="3271665"/>
+            <a:ext cx="11704320" cy="3548664"/>
           </a:xfrm>
         </p:spPr>
         <p:txBody>
@@ -50507,9 +51186,10 @@
           <a:lstStyle/>
           <a:p>
             <a:r>
-              <a:rPr lang="en-US" dirty="0"/>
-              <a:t>Installing Python and VS Code can be done like any normal application</a:t>
+              <a:rPr lang="pt-BR" dirty="0"/>
+              <a:t>A instalação do Python e VS Code pode ser feita como qualquer aplicativo normal</a:t>
             </a:r>
+            <a:endParaRPr lang="en-US" dirty="0"/>
           </a:p>
           <a:p>
             <a:pPr lvl="1"/>
@@ -50548,15 +51228,36 @@
           </a:p>
           <a:p>
             <a:r>
+              <a:rPr lang="en-US" dirty="0" err="1"/>
+              <a:t>Anotações</a:t>
+            </a:r>
+            <a:r>
               <a:rPr lang="en-US" dirty="0"/>
-              <a:t>Important notes</a:t>
+              <a:t> </a:t>
             </a:r>
+            <a:r>
+              <a:rPr lang="en-US" dirty="0" err="1"/>
+              <a:t>importantes</a:t>
+            </a:r>
+            <a:endParaRPr lang="en-US" dirty="0"/>
           </a:p>
           <a:p>
             <a:pPr lvl="1"/>
             <a:r>
+              <a:rPr lang="en-US" dirty="0" err="1"/>
+              <a:t>Adicionando</a:t>
+            </a:r>
+            <a:r>
               <a:rPr lang="en-US" dirty="0"/>
-              <a:t>Adding Python to PATH</a:t>
+              <a:t> Python </a:t>
+            </a:r>
+            <a:r>
+              <a:rPr lang="en-US" dirty="0" err="1"/>
+              <a:t>ao</a:t>
+            </a:r>
+            <a:r>
+              <a:rPr lang="en-US" dirty="0"/>
+              <a:t> PATH</a:t>
             </a:r>
           </a:p>
         </p:txBody>
@@ -51708,13 +52409,13 @@
 
 <file path=customXml/item1.xml><?xml version="1.0" encoding="utf-8"?>
 <Control xmlns="http://schemas.microsoft.com/VisualStudio/2011/storyboarding/control">
-  <Id Name="369f9055-6b6c-48b9-9320-5df2d46c430a" Revision="1" Stencil="7276b9ef-3953-4dce-a89b-ed85f20b8b93" StencilVersion="1.0"/>
+  <Id Name="fb22c541-ded0-47fa-8877-83a4c2d16227" Revision="1" Stencil="7276b9ef-3953-4dce-a89b-ed85f20b8b93" StencilVersion="1.0"/>
 </Control>
 </file>
 
 <file path=customXml/item10.xml><?xml version="1.0" encoding="utf-8"?>
 <Control xmlns="http://schemas.microsoft.com/VisualStudio/2011/storyboarding/control">
-  <Id Name="fb22c541-ded0-47fa-8877-83a4c2d16227" Revision="1" Stencil="7276b9ef-3953-4dce-a89b-ed85f20b8b93" StencilVersion="1.0"/>
+  <Id Name="d69996e1-3d61-4686-9b63-f1b855c596ab" Revision="1" Stencil="7276b9ef-3953-4dce-a89b-ed85f20b8b93" StencilVersion="1.0"/>
 </Control>
 </file>
 
@@ -51726,40 +52427,37 @@
 
 <file path=customXml/item12.xml><?xml version="1.0" encoding="utf-8"?>
 <Control xmlns="http://schemas.microsoft.com/VisualStudio/2011/storyboarding/control">
-  <Id Name="369f9055-6b6c-48b9-9320-5df2d46c430a" Revision="1" Stencil="7276b9ef-3953-4dce-a89b-ed85f20b8b93" StencilVersion="1.0"/>
+  <Id Name="a53d73d2-368b-429e-b817-1324eec1382c" Revision="1" Stencil="7276b9ef-3953-4dce-a89b-ed85f20b8b93" StencilVersion="1.0"/>
 </Control>
 </file>
 
 <file path=customXml/item13.xml><?xml version="1.0" encoding="utf-8"?>
 <Control xmlns="http://schemas.microsoft.com/VisualStudio/2011/storyboarding/control">
-  <Id Name="a2191c86-fc50-4add-948c-129f6b5a88d8" Revision="1" Stencil="7276b9ef-3953-4dce-a89b-ed85f20b8b93" StencilVersion="1.0"/>
+  <Id Name="369f9055-6b6c-48b9-9320-5df2d46c430a" Revision="1" Stencil="7276b9ef-3953-4dce-a89b-ed85f20b8b93" StencilVersion="1.0"/>
 </Control>
 </file>
 
 <file path=customXml/item14.xml><?xml version="1.0" encoding="utf-8"?>
 <Control xmlns="http://schemas.microsoft.com/VisualStudio/2011/storyboarding/control">
-  <Id Name="d69996e1-3d61-4686-9b63-f1b855c596ab" Revision="1" Stencil="7276b9ef-3953-4dce-a89b-ed85f20b8b93" StencilVersion="1.0"/>
+  <Id Name="a53d73d2-368b-429e-b817-1324eec1382c" Revision="1" Stencil="7276b9ef-3953-4dce-a89b-ed85f20b8b93" StencilVersion="1.0"/>
 </Control>
 </file>
 
 <file path=customXml/item15.xml><?xml version="1.0" encoding="utf-8"?>
 <Control xmlns="http://schemas.microsoft.com/VisualStudio/2011/storyboarding/control">
-  <Id Name="a53d73d2-368b-429e-b817-1324eec1382c" Revision="1" Stencil="7276b9ef-3953-4dce-a89b-ed85f20b8b93" StencilVersion="1.0"/>
+  <Id Name="fb22c541-ded0-47fa-8877-83a4c2d16227" Revision="1" Stencil="7276b9ef-3953-4dce-a89b-ed85f20b8b93" StencilVersion="1.0"/>
 </Control>
 </file>
 
 <file path=customXml/item16.xml><?xml version="1.0" encoding="utf-8"?>
-<?mso-contentType ?>
-<FormTemplates xmlns="http://schemas.microsoft.com/sharepoint/v3/contenttype/forms">
-  <Display>DocumentLibraryForm</Display>
-  <Edit>DocumentLibraryForm</Edit>
-  <New>DocumentLibraryForm</New>
-</FormTemplates>
+<Control xmlns="http://schemas.microsoft.com/VisualStudio/2011/storyboarding/control">
+  <Id Name="fb22c541-ded0-47fa-8877-83a4c2d16227" Revision="1" Stencil="7276b9ef-3953-4dce-a89b-ed85f20b8b93" StencilVersion="1.0"/>
+</Control>
 </file>
 
 <file path=customXml/item17.xml><?xml version="1.0" encoding="utf-8"?>
 <Control xmlns="http://schemas.microsoft.com/VisualStudio/2011/storyboarding/control">
-  <Id Name="369f9055-6b6c-48b9-9320-5df2d46c430a" Revision="1" Stencil="7276b9ef-3953-4dce-a89b-ed85f20b8b93" StencilVersion="1.0"/>
+  <Id Name="d69996e1-3d61-4686-9b63-f1b855c596ab" Revision="1" Stencil="7276b9ef-3953-4dce-a89b-ed85f20b8b93" StencilVersion="1.0"/>
 </Control>
 </file>
 
@@ -51776,6 +52474,117 @@
 </file>
 
 <file path=customXml/item2.xml><?xml version="1.0" encoding="utf-8"?>
+<?mso-contentType ?>
+<FormTemplates xmlns="http://schemas.microsoft.com/sharepoint/v3/contenttype/forms">
+  <Display>DocumentLibraryForm</Display>
+  <Edit>DocumentLibraryForm</Edit>
+  <New>DocumentLibraryForm</New>
+</FormTemplates>
+</file>
+
+<file path=customXml/item20.xml><?xml version="1.0" encoding="utf-8"?>
+<Control xmlns="http://schemas.microsoft.com/VisualStudio/2011/storyboarding/control">
+  <Id Name="d69996e1-3d61-4686-9b63-f1b855c596ab" Revision="1" Stencil="7276b9ef-3953-4dce-a89b-ed85f20b8b93" StencilVersion="1.0"/>
+</Control>
+</file>
+
+<file path=customXml/item21.xml><?xml version="1.0" encoding="utf-8"?>
+<Control xmlns="http://schemas.microsoft.com/VisualStudio/2011/storyboarding/control">
+  <Id Name="a2191c86-fc50-4add-948c-129f6b5a88d8" Revision="1" Stencil="7276b9ef-3953-4dce-a89b-ed85f20b8b93" StencilVersion="1.0"/>
+</Control>
+</file>
+
+<file path=customXml/item22.xml><?xml version="1.0" encoding="utf-8"?>
+<Control xmlns="http://schemas.microsoft.com/VisualStudio/2011/storyboarding/control">
+  <Id Name="a53d73d2-368b-429e-b817-1324eec1382c" Revision="1" Stencil="7276b9ef-3953-4dce-a89b-ed85f20b8b93" StencilVersion="1.0"/>
+</Control>
+</file>
+
+<file path=customXml/item23.xml><?xml version="1.0" encoding="utf-8"?>
+<Control xmlns="http://schemas.microsoft.com/VisualStudio/2011/storyboarding/control">
+  <Id Name="a53d73d2-368b-429e-b817-1324eec1382c" Revision="1" Stencil="7276b9ef-3953-4dce-a89b-ed85f20b8b93" StencilVersion="1.0"/>
+</Control>
+</file>
+
+<file path=customXml/item24.xml><?xml version="1.0" encoding="utf-8"?>
+<Control xmlns="http://schemas.microsoft.com/VisualStudio/2011/storyboarding/control">
+  <Id Name="a2191c86-fc50-4add-948c-129f6b5a88d8" Revision="1" Stencil="7276b9ef-3953-4dce-a89b-ed85f20b8b93" StencilVersion="1.0"/>
+</Control>
+</file>
+
+<file path=customXml/item25.xml><?xml version="1.0" encoding="utf-8"?>
+<Control xmlns="http://schemas.microsoft.com/VisualStudio/2011/storyboarding/control">
+  <Id Name="369f9055-6b6c-48b9-9320-5df2d46c430a" Revision="1" Stencil="7276b9ef-3953-4dce-a89b-ed85f20b8b93" StencilVersion="1.0"/>
+</Control>
+</file>
+
+<file path=customXml/item26.xml><?xml version="1.0" encoding="utf-8"?>
+<Control xmlns="http://schemas.microsoft.com/VisualStudio/2011/storyboarding/control">
+  <Id Name="fb22c541-ded0-47fa-8877-83a4c2d16227" Revision="1" Stencil="7276b9ef-3953-4dce-a89b-ed85f20b8b93" StencilVersion="1.0"/>
+</Control>
+</file>
+
+<file path=customXml/item27.xml><?xml version="1.0" encoding="utf-8"?>
+<Control xmlns="http://schemas.microsoft.com/VisualStudio/2011/storyboarding/control">
+  <Id Name="369f9055-6b6c-48b9-9320-5df2d46c430a" Revision="1" Stencil="7276b9ef-3953-4dce-a89b-ed85f20b8b93" StencilVersion="1.0"/>
+</Control>
+</file>
+
+<file path=customXml/item28.xml><?xml version="1.0" encoding="utf-8"?>
+<Control xmlns="http://schemas.microsoft.com/VisualStudio/2011/storyboarding/control">
+  <Id Name="369f9055-6b6c-48b9-9320-5df2d46c430a" Revision="1" Stencil="7276b9ef-3953-4dce-a89b-ed85f20b8b93" StencilVersion="1.0"/>
+</Control>
+</file>
+
+<file path=customXml/item29.xml><?xml version="1.0" encoding="utf-8"?>
+<Control xmlns="http://schemas.microsoft.com/VisualStudio/2011/storyboarding/control">
+  <Id Name="369f9055-6b6c-48b9-9320-5df2d46c430a" Revision="1" Stencil="7276b9ef-3953-4dce-a89b-ed85f20b8b93" StencilVersion="1.0"/>
+</Control>
+</file>
+
+<file path=customXml/item3.xml><?xml version="1.0" encoding="utf-8"?>
+<Control xmlns="http://schemas.microsoft.com/VisualStudio/2011/storyboarding/control">
+  <Id Name="fb22c541-ded0-47fa-8877-83a4c2d16227" Revision="1" Stencil="7276b9ef-3953-4dce-a89b-ed85f20b8b93" StencilVersion="1.0"/>
+</Control>
+</file>
+
+<file path=customXml/item30.xml><?xml version="1.0" encoding="utf-8"?>
+<Control xmlns="http://schemas.microsoft.com/VisualStudio/2011/storyboarding/control">
+  <Id Name="d69996e1-3d61-4686-9b63-f1b855c596ab" Revision="1" Stencil="7276b9ef-3953-4dce-a89b-ed85f20b8b93" StencilVersion="1.0"/>
+</Control>
+</file>
+
+<file path=customXml/item31.xml><?xml version="1.0" encoding="utf-8"?>
+<Control xmlns="http://schemas.microsoft.com/VisualStudio/2011/storyboarding/control">
+  <Id Name="a2191c86-fc50-4add-948c-129f6b5a88d8" Revision="1" Stencil="7276b9ef-3953-4dce-a89b-ed85f20b8b93" StencilVersion="1.0"/>
+</Control>
+</file>
+
+<file path=customXml/item32.xml><?xml version="1.0" encoding="utf-8"?>
+<Control xmlns="http://schemas.microsoft.com/VisualStudio/2011/storyboarding/control">
+  <Id Name="369f9055-6b6c-48b9-9320-5df2d46c430a" Revision="1" Stencil="7276b9ef-3953-4dce-a89b-ed85f20b8b93" StencilVersion="1.0"/>
+</Control>
+</file>
+
+<file path=customXml/item33.xml><?xml version="1.0" encoding="utf-8"?>
+<Control xmlns="http://schemas.microsoft.com/VisualStudio/2011/storyboarding/control">
+  <Id Name="a2191c86-fc50-4add-948c-129f6b5a88d8" Revision="1" Stencil="7276b9ef-3953-4dce-a89b-ed85f20b8b93" StencilVersion="1.0"/>
+</Control>
+</file>
+
+<file path=customXml/item34.xml><?xml version="1.0" encoding="utf-8"?>
+<Control xmlns="http://schemas.microsoft.com/VisualStudio/2011/storyboarding/control">
+  <Id Name="a2191c86-fc50-4add-948c-129f6b5a88d8" Revision="1" Stencil="7276b9ef-3953-4dce-a89b-ed85f20b8b93" StencilVersion="1.0"/>
+</Control>
+</file>
+
+<file path=customXml/item35.xml><?xml version="1.0" encoding="utf-8"?>
+<Control xmlns="http://schemas.microsoft.com/VisualStudio/2011/storyboarding/control">
+  <Id Name="a53d73d2-368b-429e-b817-1324eec1382c" Revision="1" Stencil="7276b9ef-3953-4dce-a89b-ed85f20b8b93" StencilVersion="1.0"/>
+</Control>
+</file>
+
+<file path=customXml/item4.xml><?xml version="1.0" encoding="utf-8"?>
 <p:properties xmlns:p="http://schemas.microsoft.com/office/2006/metadata/properties" xmlns:xsi="http://www.w3.org/2001/XMLSchema-instance" xmlns:pc="http://schemas.microsoft.com/office/infopath/2007/PartnerControls">
   <documentManagement>
     <SharedWithUsers xmlns="83cd2334-221a-48c3-9034-bfd1542dfe28">
@@ -51799,13 +52608,31 @@
 </p:properties>
 </file>
 
-<file path=customXml/item20.xml><?xml version="1.0" encoding="utf-8"?>
-<Control xmlns="http://schemas.microsoft.com/VisualStudio/2011/storyboarding/control">
-  <Id Name="a2191c86-fc50-4add-948c-129f6b5a88d8" Revision="1" Stencil="7276b9ef-3953-4dce-a89b-ed85f20b8b93" StencilVersion="1.0"/>
-</Control>
+<file path=customXml/item5.xml><?xml version="1.0" encoding="utf-8"?>
+<p:properties xmlns:p="http://schemas.microsoft.com/office/2006/metadata/properties" xmlns:xsi="http://www.w3.org/2001/XMLSchema-instance" xmlns:pc="http://schemas.microsoft.com/office/infopath/2007/PartnerControls">
+  <documentManagement>
+    <SharedWithUsers xmlns="83cd2334-221a-48c3-9034-bfd1542dfe28">
+      <UserInfo>
+        <DisplayName>Gilad Turbahn</DisplayName>
+        <AccountId>511</AccountId>
+        <AccountType/>
+      </UserInfo>
+      <UserInfo>
+        <DisplayName>Keith Boyd</DisplayName>
+        <AccountId>993</AccountId>
+        <AccountType/>
+      </UserInfo>
+      <UserInfo>
+        <DisplayName>Christopher Harrison</DisplayName>
+        <AccountId>1176</AccountId>
+        <AccountType/>
+      </UserInfo>
+    </SharedWithUsers>
+  </documentManagement>
+</p:properties>
 </file>
 
-<file path=customXml/item21.xml><?xml version="1.0" encoding="utf-8"?>
+<file path=customXml/item6.xml><?xml version="1.0" encoding="utf-8"?>
 <?mso-contentType ?>
 <FormTemplates xmlns="http://schemas.microsoft.com/sharepoint/v3/contenttype/forms">
   <Display>DocumentLibraryForm</Display>
@@ -51814,49 +52641,7 @@
 </FormTemplates>
 </file>
 
-<file path=customXml/item22.xml><?xml version="1.0" encoding="utf-8"?>
-<Control xmlns="http://schemas.microsoft.com/VisualStudio/2011/storyboarding/control">
-  <Id Name="a2191c86-fc50-4add-948c-129f6b5a88d8" Revision="1" Stencil="7276b9ef-3953-4dce-a89b-ed85f20b8b93" StencilVersion="1.0"/>
-</Control>
-</file>
-
-<file path=customXml/item23.xml><?xml version="1.0" encoding="utf-8"?>
-<Control xmlns="http://schemas.microsoft.com/VisualStudio/2011/storyboarding/control">
-  <Id Name="369f9055-6b6c-48b9-9320-5df2d46c430a" Revision="1" Stencil="7276b9ef-3953-4dce-a89b-ed85f20b8b93" StencilVersion="1.0"/>
-</Control>
-</file>
-
-<file path=customXml/item24.xml><?xml version="1.0" encoding="utf-8"?>
-<Control xmlns="http://schemas.microsoft.com/VisualStudio/2011/storyboarding/control">
-  <Id Name="a2191c86-fc50-4add-948c-129f6b5a88d8" Revision="1" Stencil="7276b9ef-3953-4dce-a89b-ed85f20b8b93" StencilVersion="1.0"/>
-</Control>
-</file>
-
-<file path=customXml/item25.xml><?xml version="1.0" encoding="utf-8"?>
-<Control xmlns="http://schemas.microsoft.com/VisualStudio/2011/storyboarding/control">
-  <Id Name="369f9055-6b6c-48b9-9320-5df2d46c430a" Revision="1" Stencil="7276b9ef-3953-4dce-a89b-ed85f20b8b93" StencilVersion="1.0"/>
-</Control>
-</file>
-
-<file path=customXml/item26.xml><?xml version="1.0" encoding="utf-8"?>
-<Control xmlns="http://schemas.microsoft.com/VisualStudio/2011/storyboarding/control">
-  <Id Name="fb22c541-ded0-47fa-8877-83a4c2d16227" Revision="1" Stencil="7276b9ef-3953-4dce-a89b-ed85f20b8b93" StencilVersion="1.0"/>
-</Control>
-</file>
-
-<file path=customXml/item27.xml><?xml version="1.0" encoding="utf-8"?>
-<Control xmlns="http://schemas.microsoft.com/VisualStudio/2011/storyboarding/control">
-  <Id Name="a53d73d2-368b-429e-b817-1324eec1382c" Revision="1" Stencil="7276b9ef-3953-4dce-a89b-ed85f20b8b93" StencilVersion="1.0"/>
-</Control>
-</file>
-
-<file path=customXml/item28.xml><?xml version="1.0" encoding="utf-8"?>
-<Control xmlns="http://schemas.microsoft.com/VisualStudio/2011/storyboarding/control">
-  <Id Name="a53d73d2-368b-429e-b817-1324eec1382c" Revision="1" Stencil="7276b9ef-3953-4dce-a89b-ed85f20b8b93" StencilVersion="1.0"/>
-</Control>
-</file>
-
-<file path=customXml/item29.xml><?xml version="1.0" encoding="utf-8"?>
+<file path=customXml/item7.xml><?xml version="1.0" encoding="utf-8"?>
 <ct:contentTypeSchema xmlns:ct="http://schemas.microsoft.com/office/2006/metadata/contentType" xmlns:ma="http://schemas.microsoft.com/office/2006/metadata/properties/metaAttributes" ct:_="" ma:_="" ma:contentTypeName="Document" ma:contentTypeID="0x010100674EDBEC711BD14FBA6FF5C10FEFEAC7" ma:contentTypeVersion="2" ma:contentTypeDescription="Create a new document." ma:contentTypeScope="" ma:versionID="2439c5e21841780d4f192983b535a097">
   <xsd:schema xmlns:xsd="http://www.w3.org/2001/XMLSchema" xmlns:xs="http://www.w3.org/2001/XMLSchema" xmlns:p="http://schemas.microsoft.com/office/2006/metadata/properties" xmlns:ns2="83cd2334-221a-48c3-9034-bfd1542dfe28" targetNamespace="http://schemas.microsoft.com/office/2006/metadata/properties" ma:root="true" ma:fieldsID="2bca9163d8d0b233c3086236a9289b04" ns2:_="">
     <xsd:import namespace="83cd2334-221a-48c3-9034-bfd1542dfe28"/>
@@ -52004,103 +52789,219 @@
 </ct:contentTypeSchema>
 </file>
 
-<file path=customXml/item3.xml><?xml version="1.0" encoding="utf-8"?>
-<Control xmlns="http://schemas.microsoft.com/VisualStudio/2011/storyboarding/control">
-  <Id Name="fb22c541-ded0-47fa-8877-83a4c2d16227" Revision="1" Stencil="7276b9ef-3953-4dce-a89b-ed85f20b8b93" StencilVersion="1.0"/>
-</Control>
-</file>
-
-<file path=customXml/item30.xml><?xml version="1.0" encoding="utf-8"?>
-<Control xmlns="http://schemas.microsoft.com/VisualStudio/2011/storyboarding/control">
-  <Id Name="a53d73d2-368b-429e-b817-1324eec1382c" Revision="1" Stencil="7276b9ef-3953-4dce-a89b-ed85f20b8b93" StencilVersion="1.0"/>
-</Control>
-</file>
-
-<file path=customXml/item31.xml><?xml version="1.0" encoding="utf-8"?>
+<file path=customXml/item8.xml><?xml version="1.0" encoding="utf-8"?>
 <Control xmlns="http://schemas.microsoft.com/VisualStudio/2011/storyboarding/control">
   <Id Name="d69996e1-3d61-4686-9b63-f1b855c596ab" Revision="1" Stencil="7276b9ef-3953-4dce-a89b-ed85f20b8b93" StencilVersion="1.0"/>
 </Control>
 </file>
 
-<file path=customXml/item32.xml><?xml version="1.0" encoding="utf-8"?>
-<Control xmlns="http://schemas.microsoft.com/VisualStudio/2011/storyboarding/control">
-  <Id Name="d69996e1-3d61-4686-9b63-f1b855c596ab" Revision="1" Stencil="7276b9ef-3953-4dce-a89b-ed85f20b8b93" StencilVersion="1.0"/>
-</Control>
-</file>
-
-<file path=customXml/item33.xml><?xml version="1.0" encoding="utf-8"?>
-<Control xmlns="http://schemas.microsoft.com/VisualStudio/2011/storyboarding/control">
-  <Id Name="d69996e1-3d61-4686-9b63-f1b855c596ab" Revision="1" Stencil="7276b9ef-3953-4dce-a89b-ed85f20b8b93" StencilVersion="1.0"/>
-</Control>
-</file>
-
-<file path=customXml/item34.xml><?xml version="1.0" encoding="utf-8"?>
-<Control xmlns="http://schemas.microsoft.com/VisualStudio/2011/storyboarding/control">
-  <Id Name="fb22c541-ded0-47fa-8877-83a4c2d16227" Revision="1" Stencil="7276b9ef-3953-4dce-a89b-ed85f20b8b93" StencilVersion="1.0"/>
-</Control>
-</file>
-
-<file path=customXml/item35.xml><?xml version="1.0" encoding="utf-8"?>
+<file path=customXml/item9.xml><?xml version="1.0" encoding="utf-8"?>
 <Control xmlns="http://schemas.microsoft.com/VisualStudio/2011/storyboarding/control">
   <Id Name="a2191c86-fc50-4add-948c-129f6b5a88d8" Revision="1" Stencil="7276b9ef-3953-4dce-a89b-ed85f20b8b93" StencilVersion="1.0"/>
 </Control>
 </file>
 
-<file path=customXml/item4.xml><?xml version="1.0" encoding="utf-8"?>
-<Control xmlns="http://schemas.microsoft.com/VisualStudio/2011/storyboarding/control">
-  <Id Name="a53d73d2-368b-429e-b817-1324eec1382c" Revision="1" Stencil="7276b9ef-3953-4dce-a89b-ed85f20b8b93" StencilVersion="1.0"/>
-</Control>
+<file path=customXml/itemProps1.xml><?xml version="1.0" encoding="utf-8"?>
+<ds:datastoreItem xmlns:ds="http://schemas.openxmlformats.org/officeDocument/2006/customXml" ds:itemID="{D6FEE829-2115-45B4-8110-670FD454542B}">
+  <ds:schemaRefs>
+    <ds:schemaRef ds:uri="http://schemas.microsoft.com/VisualStudio/2011/storyboarding/control"/>
+  </ds:schemaRefs>
+</ds:datastoreItem>
 </file>
 
-<file path=customXml/item5.xml><?xml version="1.0" encoding="utf-8"?>
-<Control xmlns="http://schemas.microsoft.com/VisualStudio/2011/storyboarding/control">
-  <Id Name="d69996e1-3d61-4686-9b63-f1b855c596ab" Revision="1" Stencil="7276b9ef-3953-4dce-a89b-ed85f20b8b93" StencilVersion="1.0"/>
-</Control>
+<file path=customXml/itemProps10.xml><?xml version="1.0" encoding="utf-8"?>
+<ds:datastoreItem xmlns:ds="http://schemas.openxmlformats.org/officeDocument/2006/customXml" ds:itemID="{C63AC2F0-1DEB-4E91-A88A-7A014A172F4F}">
+  <ds:schemaRefs>
+    <ds:schemaRef ds:uri="http://schemas.microsoft.com/VisualStudio/2011/storyboarding/control"/>
+  </ds:schemaRefs>
+</ds:datastoreItem>
 </file>
 
-<file path=customXml/item6.xml><?xml version="1.0" encoding="utf-8"?>
-<Control xmlns="http://schemas.microsoft.com/VisualStudio/2011/storyboarding/control">
-  <Id Name="a2191c86-fc50-4add-948c-129f6b5a88d8" Revision="1" Stencil="7276b9ef-3953-4dce-a89b-ed85f20b8b93" StencilVersion="1.0"/>
-</Control>
+<file path=customXml/itemProps11.xml><?xml version="1.0" encoding="utf-8"?>
+<ds:datastoreItem xmlns:ds="http://schemas.openxmlformats.org/officeDocument/2006/customXml" ds:itemID="{67213E6F-7B96-4222-888B-63710B06D885}">
+  <ds:schemaRefs>
+    <ds:schemaRef ds:uri="http://schemas.microsoft.com/VisualStudio/2011/storyboarding/control"/>
+  </ds:schemaRefs>
+</ds:datastoreItem>
 </file>
 
-<file path=customXml/item7.xml><?xml version="1.0" encoding="utf-8"?>
-<p:properties xmlns:p="http://schemas.microsoft.com/office/2006/metadata/properties" xmlns:xsi="http://www.w3.org/2001/XMLSchema-instance" xmlns:pc="http://schemas.microsoft.com/office/infopath/2007/PartnerControls">
-  <documentManagement>
-    <SharedWithUsers xmlns="83cd2334-221a-48c3-9034-bfd1542dfe28">
-      <UserInfo>
-        <DisplayName>Gilad Turbahn</DisplayName>
-        <AccountId>511</AccountId>
-        <AccountType/>
-      </UserInfo>
-      <UserInfo>
-        <DisplayName>Keith Boyd</DisplayName>
-        <AccountId>993</AccountId>
-        <AccountType/>
-      </UserInfo>
-      <UserInfo>
-        <DisplayName>Christopher Harrison</DisplayName>
-        <AccountId>1176</AccountId>
-        <AccountType/>
-      </UserInfo>
-    </SharedWithUsers>
-  </documentManagement>
-</p:properties>
+<file path=customXml/itemProps12.xml><?xml version="1.0" encoding="utf-8"?>
+<ds:datastoreItem xmlns:ds="http://schemas.openxmlformats.org/officeDocument/2006/customXml" ds:itemID="{4E805D65-1532-4BB0-8F41-8013167C0009}">
+  <ds:schemaRefs>
+    <ds:schemaRef ds:uri="http://schemas.microsoft.com/VisualStudio/2011/storyboarding/control"/>
+  </ds:schemaRefs>
+</ds:datastoreItem>
 </file>
 
-<file path=customXml/item8.xml><?xml version="1.0" encoding="utf-8"?>
-<Control xmlns="http://schemas.microsoft.com/VisualStudio/2011/storyboarding/control">
-  <Id Name="369f9055-6b6c-48b9-9320-5df2d46c430a" Revision="1" Stencil="7276b9ef-3953-4dce-a89b-ed85f20b8b93" StencilVersion="1.0"/>
-</Control>
+<file path=customXml/itemProps13.xml><?xml version="1.0" encoding="utf-8"?>
+<ds:datastoreItem xmlns:ds="http://schemas.openxmlformats.org/officeDocument/2006/customXml" ds:itemID="{7959CC6A-F423-4783-B968-3BCC86A7394E}">
+  <ds:schemaRefs>
+    <ds:schemaRef ds:uri="http://schemas.microsoft.com/VisualStudio/2011/storyboarding/control"/>
+  </ds:schemaRefs>
+</ds:datastoreItem>
 </file>
 
-<file path=customXml/item9.xml><?xml version="1.0" encoding="utf-8"?>
-<Control xmlns="http://schemas.microsoft.com/VisualStudio/2011/storyboarding/control">
-  <Id Name="fb22c541-ded0-47fa-8877-83a4c2d16227" Revision="1" Stencil="7276b9ef-3953-4dce-a89b-ed85f20b8b93" StencilVersion="1.0"/>
-</Control>
+<file path=customXml/itemProps14.xml><?xml version="1.0" encoding="utf-8"?>
+<ds:datastoreItem xmlns:ds="http://schemas.openxmlformats.org/officeDocument/2006/customXml" ds:itemID="{6FB9D450-4C47-4A44-8C0D-C78D8A54C46F}">
+  <ds:schemaRefs>
+    <ds:schemaRef ds:uri="http://schemas.microsoft.com/VisualStudio/2011/storyboarding/control"/>
+  </ds:schemaRefs>
+</ds:datastoreItem>
 </file>
 
-<file path=customXml/itemProps1.xml><?xml version="1.0" encoding="utf-8"?>
+<file path=customXml/itemProps15.xml><?xml version="1.0" encoding="utf-8"?>
+<ds:datastoreItem xmlns:ds="http://schemas.openxmlformats.org/officeDocument/2006/customXml" ds:itemID="{432851C6-BC05-4673-B853-6D08AB80CDC4}">
+  <ds:schemaRefs>
+    <ds:schemaRef ds:uri="http://schemas.microsoft.com/VisualStudio/2011/storyboarding/control"/>
+  </ds:schemaRefs>
+</ds:datastoreItem>
+</file>
+
+<file path=customXml/itemProps16.xml><?xml version="1.0" encoding="utf-8"?>
+<ds:datastoreItem xmlns:ds="http://schemas.openxmlformats.org/officeDocument/2006/customXml" ds:itemID="{376216F9-AF6B-4844-AE8C-B9F953F916AB}">
+  <ds:schemaRefs>
+    <ds:schemaRef ds:uri="http://schemas.microsoft.com/VisualStudio/2011/storyboarding/control"/>
+  </ds:schemaRefs>
+</ds:datastoreItem>
+</file>
+
+<file path=customXml/itemProps17.xml><?xml version="1.0" encoding="utf-8"?>
+<ds:datastoreItem xmlns:ds="http://schemas.openxmlformats.org/officeDocument/2006/customXml" ds:itemID="{366CA990-F93D-4100-9654-65D9E30F4E1C}">
+  <ds:schemaRefs>
+    <ds:schemaRef ds:uri="http://schemas.microsoft.com/VisualStudio/2011/storyboarding/control"/>
+  </ds:schemaRefs>
+</ds:datastoreItem>
+</file>
+
+<file path=customXml/itemProps18.xml><?xml version="1.0" encoding="utf-8"?>
+<ds:datastoreItem xmlns:ds="http://schemas.openxmlformats.org/officeDocument/2006/customXml" ds:itemID="{F68D8396-E21C-4AFF-8FDD-70D00673D0EE}">
+  <ds:schemaRefs>
+    <ds:schemaRef ds:uri="http://schemas.microsoft.com/VisualStudio/2011/storyboarding/control"/>
+  </ds:schemaRefs>
+</ds:datastoreItem>
+</file>
+
+<file path=customXml/itemProps19.xml><?xml version="1.0" encoding="utf-8"?>
+<ds:datastoreItem xmlns:ds="http://schemas.openxmlformats.org/officeDocument/2006/customXml" ds:itemID="{B5105A87-47B6-44F6-97FD-4619C0556604}">
+  <ds:schemaRefs>
+    <ds:schemaRef ds:uri="http://schemas.microsoft.com/VisualStudio/2011/storyboarding/control"/>
+  </ds:schemaRefs>
+</ds:datastoreItem>
+</file>
+
+<file path=customXml/itemProps2.xml><?xml version="1.0" encoding="utf-8"?>
+<ds:datastoreItem xmlns:ds="http://schemas.openxmlformats.org/officeDocument/2006/customXml" ds:itemID="{758FDAC0-319D-4A54-8D8E-1D42CB1F8004}">
+  <ds:schemaRefs>
+    <ds:schemaRef ds:uri="http://schemas.microsoft.com/sharepoint/v3/contenttype/forms"/>
+  </ds:schemaRefs>
+</ds:datastoreItem>
+</file>
+
+<file path=customXml/itemProps20.xml><?xml version="1.0" encoding="utf-8"?>
+<ds:datastoreItem xmlns:ds="http://schemas.openxmlformats.org/officeDocument/2006/customXml" ds:itemID="{0282FB20-2D4C-459D-8468-77D1D3C6925D}">
+  <ds:schemaRefs>
+    <ds:schemaRef ds:uri="http://schemas.microsoft.com/VisualStudio/2011/storyboarding/control"/>
+  </ds:schemaRefs>
+</ds:datastoreItem>
+</file>
+
+<file path=customXml/itemProps21.xml><?xml version="1.0" encoding="utf-8"?>
+<ds:datastoreItem xmlns:ds="http://schemas.openxmlformats.org/officeDocument/2006/customXml" ds:itemID="{8257D6BC-B71E-4D95-81E4-A1D4A8174168}">
+  <ds:schemaRefs>
+    <ds:schemaRef ds:uri="http://schemas.microsoft.com/VisualStudio/2011/storyboarding/control"/>
+  </ds:schemaRefs>
+</ds:datastoreItem>
+</file>
+
+<file path=customXml/itemProps22.xml><?xml version="1.0" encoding="utf-8"?>
+<ds:datastoreItem xmlns:ds="http://schemas.openxmlformats.org/officeDocument/2006/customXml" ds:itemID="{21F6B647-976A-41D0-B760-9DF9DFC6AE3C}">
+  <ds:schemaRefs>
+    <ds:schemaRef ds:uri="http://schemas.microsoft.com/VisualStudio/2011/storyboarding/control"/>
+  </ds:schemaRefs>
+</ds:datastoreItem>
+</file>
+
+<file path=customXml/itemProps23.xml><?xml version="1.0" encoding="utf-8"?>
+<ds:datastoreItem xmlns:ds="http://schemas.openxmlformats.org/officeDocument/2006/customXml" ds:itemID="{8893E80D-6D0C-4E0F-AA22-E5615BB87E5B}">
+  <ds:schemaRefs>
+    <ds:schemaRef ds:uri="http://schemas.microsoft.com/VisualStudio/2011/storyboarding/control"/>
+  </ds:schemaRefs>
+</ds:datastoreItem>
+</file>
+
+<file path=customXml/itemProps24.xml><?xml version="1.0" encoding="utf-8"?>
+<ds:datastoreItem xmlns:ds="http://schemas.openxmlformats.org/officeDocument/2006/customXml" ds:itemID="{4B16F4FE-7C26-4443-B426-81998D23ED87}">
+  <ds:schemaRefs>
+    <ds:schemaRef ds:uri="http://schemas.microsoft.com/VisualStudio/2011/storyboarding/control"/>
+  </ds:schemaRefs>
+</ds:datastoreItem>
+</file>
+
+<file path=customXml/itemProps25.xml><?xml version="1.0" encoding="utf-8"?>
+<ds:datastoreItem xmlns:ds="http://schemas.openxmlformats.org/officeDocument/2006/customXml" ds:itemID="{82DB428A-B8F8-483F-8276-095629A8ECDB}">
+  <ds:schemaRefs>
+    <ds:schemaRef ds:uri="http://schemas.microsoft.com/VisualStudio/2011/storyboarding/control"/>
+  </ds:schemaRefs>
+</ds:datastoreItem>
+</file>
+
+<file path=customXml/itemProps26.xml><?xml version="1.0" encoding="utf-8"?>
+<ds:datastoreItem xmlns:ds="http://schemas.openxmlformats.org/officeDocument/2006/customXml" ds:itemID="{4E8278DB-3CDD-48A7-992E-A7596AD335B9}">
+  <ds:schemaRefs>
+    <ds:schemaRef ds:uri="http://schemas.microsoft.com/VisualStudio/2011/storyboarding/control"/>
+  </ds:schemaRefs>
+</ds:datastoreItem>
+</file>
+
+<file path=customXml/itemProps27.xml><?xml version="1.0" encoding="utf-8"?>
+<ds:datastoreItem xmlns:ds="http://schemas.openxmlformats.org/officeDocument/2006/customXml" ds:itemID="{42D603BF-B513-4201-A599-21BA0F4FFC40}">
+  <ds:schemaRefs>
+    <ds:schemaRef ds:uri="http://schemas.microsoft.com/VisualStudio/2011/storyboarding/control"/>
+  </ds:schemaRefs>
+</ds:datastoreItem>
+</file>
+
+<file path=customXml/itemProps28.xml><?xml version="1.0" encoding="utf-8"?>
+<ds:datastoreItem xmlns:ds="http://schemas.openxmlformats.org/officeDocument/2006/customXml" ds:itemID="{FE651ABA-5DC1-4ABD-A06E-055AE54B337B}">
+  <ds:schemaRefs>
+    <ds:schemaRef ds:uri="http://schemas.microsoft.com/VisualStudio/2011/storyboarding/control"/>
+  </ds:schemaRefs>
+</ds:datastoreItem>
+</file>
+
+<file path=customXml/itemProps29.xml><?xml version="1.0" encoding="utf-8"?>
+<ds:datastoreItem xmlns:ds="http://schemas.openxmlformats.org/officeDocument/2006/customXml" ds:itemID="{08C4EE12-DF69-4FFC-9E40-C7991F3490A6}">
+  <ds:schemaRefs>
+    <ds:schemaRef ds:uri="http://schemas.microsoft.com/VisualStudio/2011/storyboarding/control"/>
+  </ds:schemaRefs>
+</ds:datastoreItem>
+</file>
+
+<file path=customXml/itemProps3.xml><?xml version="1.0" encoding="utf-8"?>
+<ds:datastoreItem xmlns:ds="http://schemas.openxmlformats.org/officeDocument/2006/customXml" ds:itemID="{4C1B3C27-4803-4D72-A3F8-6668A3F0A24B}">
+  <ds:schemaRefs>
+    <ds:schemaRef ds:uri="http://schemas.microsoft.com/VisualStudio/2011/storyboarding/control"/>
+  </ds:schemaRefs>
+</ds:datastoreItem>
+</file>
+
+<file path=customXml/itemProps30.xml><?xml version="1.0" encoding="utf-8"?>
+<ds:datastoreItem xmlns:ds="http://schemas.openxmlformats.org/officeDocument/2006/customXml" ds:itemID="{3DC6CABD-46E1-4C27-A0B3-616DC56F8E5C}">
+  <ds:schemaRefs>
+    <ds:schemaRef ds:uri="http://schemas.microsoft.com/VisualStudio/2011/storyboarding/control"/>
+  </ds:schemaRefs>
+</ds:datastoreItem>
+</file>
+
+<file path=customXml/itemProps31.xml><?xml version="1.0" encoding="utf-8"?>
+<ds:datastoreItem xmlns:ds="http://schemas.openxmlformats.org/officeDocument/2006/customXml" ds:itemID="{8BD595CA-AC5E-43B9-B966-E468A16E8322}">
+  <ds:schemaRefs>
+    <ds:schemaRef ds:uri="http://schemas.microsoft.com/VisualStudio/2011/storyboarding/control"/>
+  </ds:schemaRefs>
+</ds:datastoreItem>
+</file>
+
+<file path=customXml/itemProps32.xml><?xml version="1.0" encoding="utf-8"?>
 <ds:datastoreItem xmlns:ds="http://schemas.openxmlformats.org/officeDocument/2006/customXml" ds:itemID="{38217AA1-CC95-49A9-B284-2ED4D347D7CA}">
   <ds:schemaRefs>
     <ds:schemaRef ds:uri="http://schemas.microsoft.com/VisualStudio/2011/storyboarding/control"/>
@@ -52108,31 +53009,15 @@
 </ds:datastoreItem>
 </file>
 
-<file path=customXml/itemProps10.xml><?xml version="1.0" encoding="utf-8"?>
-<ds:datastoreItem xmlns:ds="http://schemas.openxmlformats.org/officeDocument/2006/customXml" ds:itemID="{432851C6-BC05-4673-B853-6D08AB80CDC4}">
+<file path=customXml/itemProps33.xml><?xml version="1.0" encoding="utf-8"?>
+<ds:datastoreItem xmlns:ds="http://schemas.openxmlformats.org/officeDocument/2006/customXml" ds:itemID="{3C954CC5-1CAC-4EC3-9791-8630483065B9}">
   <ds:schemaRefs>
     <ds:schemaRef ds:uri="http://schemas.microsoft.com/VisualStudio/2011/storyboarding/control"/>
   </ds:schemaRefs>
 </ds:datastoreItem>
 </file>
 
-<file path=customXml/itemProps11.xml><?xml version="1.0" encoding="utf-8"?>
-<ds:datastoreItem xmlns:ds="http://schemas.openxmlformats.org/officeDocument/2006/customXml" ds:itemID="{C0F92A87-A216-45A9-B9C0-0515663D35BF}">
-  <ds:schemaRefs>
-    <ds:schemaRef ds:uri="http://schemas.microsoft.com/VisualStudio/2011/storyboarding/control"/>
-  </ds:schemaRefs>
-</ds:datastoreItem>
-</file>
-
-<file path=customXml/itemProps12.xml><?xml version="1.0" encoding="utf-8"?>
-<ds:datastoreItem xmlns:ds="http://schemas.openxmlformats.org/officeDocument/2006/customXml" ds:itemID="{42D603BF-B513-4201-A599-21BA0F4FFC40}">
-  <ds:schemaRefs>
-    <ds:schemaRef ds:uri="http://schemas.microsoft.com/VisualStudio/2011/storyboarding/control"/>
-  </ds:schemaRefs>
-</ds:datastoreItem>
-</file>
-
-<file path=customXml/itemProps13.xml><?xml version="1.0" encoding="utf-8"?>
+<file path=customXml/itemProps34.xml><?xml version="1.0" encoding="utf-8"?>
 <ds:datastoreItem xmlns:ds="http://schemas.openxmlformats.org/officeDocument/2006/customXml" ds:itemID="{D4B5F268-5930-44CD-BDF1-D0A04D4BBC1C}">
   <ds:schemaRefs>
     <ds:schemaRef ds:uri="http://schemas.microsoft.com/VisualStudio/2011/storyboarding/control"/>
@@ -52140,39 +53025,7 @@
 </ds:datastoreItem>
 </file>
 
-<file path=customXml/itemProps14.xml><?xml version="1.0" encoding="utf-8"?>
-<ds:datastoreItem xmlns:ds="http://schemas.openxmlformats.org/officeDocument/2006/customXml" ds:itemID="{0282FB20-2D4C-459D-8468-77D1D3C6925D}">
-  <ds:schemaRefs>
-    <ds:schemaRef ds:uri="http://schemas.microsoft.com/VisualStudio/2011/storyboarding/control"/>
-  </ds:schemaRefs>
-</ds:datastoreItem>
-</file>
-
-<file path=customXml/itemProps15.xml><?xml version="1.0" encoding="utf-8"?>
-<ds:datastoreItem xmlns:ds="http://schemas.openxmlformats.org/officeDocument/2006/customXml" ds:itemID="{4E805D65-1532-4BB0-8F41-8013167C0009}">
-  <ds:schemaRefs>
-    <ds:schemaRef ds:uri="http://schemas.microsoft.com/VisualStudio/2011/storyboarding/control"/>
-  </ds:schemaRefs>
-</ds:datastoreItem>
-</file>
-
-<file path=customXml/itemProps16.xml><?xml version="1.0" encoding="utf-8"?>
-<ds:datastoreItem xmlns:ds="http://schemas.openxmlformats.org/officeDocument/2006/customXml" ds:itemID="{50326EE5-754B-4E02-99C4-DDA8AB4ABBEE}">
-  <ds:schemaRefs>
-    <ds:schemaRef ds:uri="http://schemas.microsoft.com/sharepoint/v3/contenttype/forms"/>
-  </ds:schemaRefs>
-</ds:datastoreItem>
-</file>
-
-<file path=customXml/itemProps17.xml><?xml version="1.0" encoding="utf-8"?>
-<ds:datastoreItem xmlns:ds="http://schemas.openxmlformats.org/officeDocument/2006/customXml" ds:itemID="{FE651ABA-5DC1-4ABD-A06E-055AE54B337B}">
-  <ds:schemaRefs>
-    <ds:schemaRef ds:uri="http://schemas.microsoft.com/VisualStudio/2011/storyboarding/control"/>
-  </ds:schemaRefs>
-</ds:datastoreItem>
-</file>
-
-<file path=customXml/itemProps18.xml><?xml version="1.0" encoding="utf-8"?>
+<file path=customXml/itemProps35.xml><?xml version="1.0" encoding="utf-8"?>
 <ds:datastoreItem xmlns:ds="http://schemas.openxmlformats.org/officeDocument/2006/customXml" ds:itemID="{ED350DFE-2319-4AB0-BC96-1D36D125365A}">
   <ds:schemaRefs>
     <ds:schemaRef ds:uri="http://schemas.microsoft.com/VisualStudio/2011/storyboarding/control"/>
@@ -52180,15 +53033,23 @@
 </ds:datastoreItem>
 </file>
 
-<file path=customXml/itemProps19.xml><?xml version="1.0" encoding="utf-8"?>
-<ds:datastoreItem xmlns:ds="http://schemas.openxmlformats.org/officeDocument/2006/customXml" ds:itemID="{376216F9-AF6B-4844-AE8C-B9F953F916AB}">
+<file path=customXml/itemProps4.xml><?xml version="1.0" encoding="utf-8"?>
+<ds:datastoreItem xmlns:ds="http://schemas.openxmlformats.org/officeDocument/2006/customXml" ds:itemID="{F990F116-B58F-4255-B05B-DA3808E0E5C6}">
   <ds:schemaRefs>
-    <ds:schemaRef ds:uri="http://schemas.microsoft.com/VisualStudio/2011/storyboarding/control"/>
+    <ds:schemaRef ds:uri="http://schemas.microsoft.com/office/2006/documentManagement/types"/>
+    <ds:schemaRef ds:uri="83cd2334-221a-48c3-9034-bfd1542dfe28"/>
+    <ds:schemaRef ds:uri="http://purl.org/dc/elements/1.1/"/>
+    <ds:schemaRef ds:uri="http://schemas.microsoft.com/office/2006/metadata/properties"/>
+    <ds:schemaRef ds:uri="http://purl.org/dc/terms/"/>
+    <ds:schemaRef ds:uri="http://schemas.microsoft.com/office/infopath/2007/PartnerControls"/>
+    <ds:schemaRef ds:uri="http://schemas.openxmlformats.org/package/2006/metadata/core-properties"/>
+    <ds:schemaRef ds:uri="http://www.w3.org/XML/1998/namespace"/>
+    <ds:schemaRef ds:uri="http://purl.org/dc/dcmitype/"/>
   </ds:schemaRefs>
 </ds:datastoreItem>
 </file>
 
-<file path=customXml/itemProps2.xml><?xml version="1.0" encoding="utf-8"?>
+<file path=customXml/itemProps5.xml><?xml version="1.0" encoding="utf-8"?>
 <ds:datastoreItem xmlns:ds="http://schemas.openxmlformats.org/officeDocument/2006/customXml" ds:itemID="{29A419E7-5506-4231-819E-32B0D2087F4E}">
   <ds:schemaRefs>
     <ds:schemaRef ds:uri="http://schemas.microsoft.com/office/infopath/2007/PartnerControls"/>
@@ -52204,79 +53065,15 @@
 </ds:datastoreItem>
 </file>
 
-<file path=customXml/itemProps20.xml><?xml version="1.0" encoding="utf-8"?>
-<ds:datastoreItem xmlns:ds="http://schemas.openxmlformats.org/officeDocument/2006/customXml" ds:itemID="{8BD595CA-AC5E-43B9-B966-E468A16E8322}">
-  <ds:schemaRefs>
-    <ds:schemaRef ds:uri="http://schemas.microsoft.com/VisualStudio/2011/storyboarding/control"/>
-  </ds:schemaRefs>
-</ds:datastoreItem>
-</file>
-
-<file path=customXml/itemProps21.xml><?xml version="1.0" encoding="utf-8"?>
-<ds:datastoreItem xmlns:ds="http://schemas.openxmlformats.org/officeDocument/2006/customXml" ds:itemID="{758FDAC0-319D-4A54-8D8E-1D42CB1F8004}">
+<file path=customXml/itemProps6.xml><?xml version="1.0" encoding="utf-8"?>
+<ds:datastoreItem xmlns:ds="http://schemas.openxmlformats.org/officeDocument/2006/customXml" ds:itemID="{50326EE5-754B-4E02-99C4-DDA8AB4ABBEE}">
   <ds:schemaRefs>
     <ds:schemaRef ds:uri="http://schemas.microsoft.com/sharepoint/v3/contenttype/forms"/>
   </ds:schemaRefs>
 </ds:datastoreItem>
 </file>
 
-<file path=customXml/itemProps22.xml><?xml version="1.0" encoding="utf-8"?>
-<ds:datastoreItem xmlns:ds="http://schemas.openxmlformats.org/officeDocument/2006/customXml" ds:itemID="{8257D6BC-B71E-4D95-81E4-A1D4A8174168}">
-  <ds:schemaRefs>
-    <ds:schemaRef ds:uri="http://schemas.microsoft.com/VisualStudio/2011/storyboarding/control"/>
-  </ds:schemaRefs>
-</ds:datastoreItem>
-</file>
-
-<file path=customXml/itemProps23.xml><?xml version="1.0" encoding="utf-8"?>
-<ds:datastoreItem xmlns:ds="http://schemas.openxmlformats.org/officeDocument/2006/customXml" ds:itemID="{7959CC6A-F423-4783-B968-3BCC86A7394E}">
-  <ds:schemaRefs>
-    <ds:schemaRef ds:uri="http://schemas.microsoft.com/VisualStudio/2011/storyboarding/control"/>
-  </ds:schemaRefs>
-</ds:datastoreItem>
-</file>
-
-<file path=customXml/itemProps24.xml><?xml version="1.0" encoding="utf-8"?>
-<ds:datastoreItem xmlns:ds="http://schemas.openxmlformats.org/officeDocument/2006/customXml" ds:itemID="{0B54C583-7BAB-4080-8093-C5F84F5A225A}">
-  <ds:schemaRefs>
-    <ds:schemaRef ds:uri="http://schemas.microsoft.com/VisualStudio/2011/storyboarding/control"/>
-  </ds:schemaRefs>
-</ds:datastoreItem>
-</file>
-
-<file path=customXml/itemProps25.xml><?xml version="1.0" encoding="utf-8"?>
-<ds:datastoreItem xmlns:ds="http://schemas.openxmlformats.org/officeDocument/2006/customXml" ds:itemID="{08C4EE12-DF69-4FFC-9E40-C7991F3490A6}">
-  <ds:schemaRefs>
-    <ds:schemaRef ds:uri="http://schemas.microsoft.com/VisualStudio/2011/storyboarding/control"/>
-  </ds:schemaRefs>
-</ds:datastoreItem>
-</file>
-
-<file path=customXml/itemProps26.xml><?xml version="1.0" encoding="utf-8"?>
-<ds:datastoreItem xmlns:ds="http://schemas.openxmlformats.org/officeDocument/2006/customXml" ds:itemID="{D6FEE829-2115-45B4-8110-670FD454542B}">
-  <ds:schemaRefs>
-    <ds:schemaRef ds:uri="http://schemas.microsoft.com/VisualStudio/2011/storyboarding/control"/>
-  </ds:schemaRefs>
-</ds:datastoreItem>
-</file>
-
-<file path=customXml/itemProps27.xml><?xml version="1.0" encoding="utf-8"?>
-<ds:datastoreItem xmlns:ds="http://schemas.openxmlformats.org/officeDocument/2006/customXml" ds:itemID="{21F6B647-976A-41D0-B760-9DF9DFC6AE3C}">
-  <ds:schemaRefs>
-    <ds:schemaRef ds:uri="http://schemas.microsoft.com/VisualStudio/2011/storyboarding/control"/>
-  </ds:schemaRefs>
-</ds:datastoreItem>
-</file>
-
-<file path=customXml/itemProps28.xml><?xml version="1.0" encoding="utf-8"?>
-<ds:datastoreItem xmlns:ds="http://schemas.openxmlformats.org/officeDocument/2006/customXml" ds:itemID="{6FB9D450-4C47-4A44-8C0D-C78D8A54C46F}">
-  <ds:schemaRefs>
-    <ds:schemaRef ds:uri="http://schemas.microsoft.com/VisualStudio/2011/storyboarding/control"/>
-  </ds:schemaRefs>
-</ds:datastoreItem>
-</file>
-
-<file path=customXml/itemProps29.xml><?xml version="1.0" encoding="utf-8"?>
+<file path=customXml/itemProps7.xml><?xml version="1.0" encoding="utf-8"?>
 <ds:datastoreItem xmlns:ds="http://schemas.openxmlformats.org/officeDocument/2006/customXml" ds:itemID="{11F98F69-7518-4AE2-AE7B-E037DC9DDC97}">
   <ds:schemaRefs>
     <ds:schemaRef ds:uri="http://schemas.microsoft.com/office/2006/metadata/contentType"/>
@@ -52294,104 +53091,8 @@
 </ds:datastoreItem>
 </file>
 
-<file path=customXml/itemProps3.xml><?xml version="1.0" encoding="utf-8"?>
-<ds:datastoreItem xmlns:ds="http://schemas.openxmlformats.org/officeDocument/2006/customXml" ds:itemID="{4E8278DB-3CDD-48A7-992E-A7596AD335B9}">
-  <ds:schemaRefs>
-    <ds:schemaRef ds:uri="http://schemas.microsoft.com/VisualStudio/2011/storyboarding/control"/>
-  </ds:schemaRefs>
-</ds:datastoreItem>
-</file>
-
-<file path=customXml/itemProps30.xml><?xml version="1.0" encoding="utf-8"?>
-<ds:datastoreItem xmlns:ds="http://schemas.openxmlformats.org/officeDocument/2006/customXml" ds:itemID="{8893E80D-6D0C-4E0F-AA22-E5615BB87E5B}">
-  <ds:schemaRefs>
-    <ds:schemaRef ds:uri="http://schemas.microsoft.com/VisualStudio/2011/storyboarding/control"/>
-  </ds:schemaRefs>
-</ds:datastoreItem>
-</file>
-
-<file path=customXml/itemProps31.xml><?xml version="1.0" encoding="utf-8"?>
-<ds:datastoreItem xmlns:ds="http://schemas.openxmlformats.org/officeDocument/2006/customXml" ds:itemID="{366CA990-F93D-4100-9654-65D9E30F4E1C}">
-  <ds:schemaRefs>
-    <ds:schemaRef ds:uri="http://schemas.microsoft.com/VisualStudio/2011/storyboarding/control"/>
-  </ds:schemaRefs>
-</ds:datastoreItem>
-</file>
-
-<file path=customXml/itemProps32.xml><?xml version="1.0" encoding="utf-8"?>
-<ds:datastoreItem xmlns:ds="http://schemas.openxmlformats.org/officeDocument/2006/customXml" ds:itemID="{C63AC2F0-1DEB-4E91-A88A-7A014A172F4F}">
-  <ds:schemaRefs>
-    <ds:schemaRef ds:uri="http://schemas.microsoft.com/VisualStudio/2011/storyboarding/control"/>
-  </ds:schemaRefs>
-</ds:datastoreItem>
-</file>
-
-<file path=customXml/itemProps33.xml><?xml version="1.0" encoding="utf-8"?>
-<ds:datastoreItem xmlns:ds="http://schemas.openxmlformats.org/officeDocument/2006/customXml" ds:itemID="{3DC6CABD-46E1-4C27-A0B3-616DC56F8E5C}">
-  <ds:schemaRefs>
-    <ds:schemaRef ds:uri="http://schemas.microsoft.com/VisualStudio/2011/storyboarding/control"/>
-  </ds:schemaRefs>
-</ds:datastoreItem>
-</file>
-
-<file path=customXml/itemProps34.xml><?xml version="1.0" encoding="utf-8"?>
-<ds:datastoreItem xmlns:ds="http://schemas.openxmlformats.org/officeDocument/2006/customXml" ds:itemID="{4C1B3C27-4803-4D72-A3F8-6668A3F0A24B}">
-  <ds:schemaRefs>
-    <ds:schemaRef ds:uri="http://schemas.microsoft.com/VisualStudio/2011/storyboarding/control"/>
-  </ds:schemaRefs>
-</ds:datastoreItem>
-</file>
-
-<file path=customXml/itemProps35.xml><?xml version="1.0" encoding="utf-8"?>
-<ds:datastoreItem xmlns:ds="http://schemas.openxmlformats.org/officeDocument/2006/customXml" ds:itemID="{4B16F4FE-7C26-4443-B426-81998D23ED87}">
-  <ds:schemaRefs>
-    <ds:schemaRef ds:uri="http://schemas.microsoft.com/VisualStudio/2011/storyboarding/control"/>
-  </ds:schemaRefs>
-</ds:datastoreItem>
-</file>
-
-<file path=customXml/itemProps4.xml><?xml version="1.0" encoding="utf-8"?>
-<ds:datastoreItem xmlns:ds="http://schemas.openxmlformats.org/officeDocument/2006/customXml" ds:itemID="{F68D8396-E21C-4AFF-8FDD-70D00673D0EE}">
-  <ds:schemaRefs>
-    <ds:schemaRef ds:uri="http://schemas.microsoft.com/VisualStudio/2011/storyboarding/control"/>
-  </ds:schemaRefs>
-</ds:datastoreItem>
-</file>
-
-<file path=customXml/itemProps5.xml><?xml version="1.0" encoding="utf-8"?>
-<ds:datastoreItem xmlns:ds="http://schemas.openxmlformats.org/officeDocument/2006/customXml" ds:itemID="{67213E6F-7B96-4222-888B-63710B06D885}">
-  <ds:schemaRefs>
-    <ds:schemaRef ds:uri="http://schemas.microsoft.com/VisualStudio/2011/storyboarding/control"/>
-  </ds:schemaRefs>
-</ds:datastoreItem>
-</file>
-
-<file path=customXml/itemProps6.xml><?xml version="1.0" encoding="utf-8"?>
-<ds:datastoreItem xmlns:ds="http://schemas.openxmlformats.org/officeDocument/2006/customXml" ds:itemID="{3C954CC5-1CAC-4EC3-9791-8630483065B9}">
-  <ds:schemaRefs>
-    <ds:schemaRef ds:uri="http://schemas.microsoft.com/VisualStudio/2011/storyboarding/control"/>
-  </ds:schemaRefs>
-</ds:datastoreItem>
-</file>
-
-<file path=customXml/itemProps7.xml><?xml version="1.0" encoding="utf-8"?>
-<ds:datastoreItem xmlns:ds="http://schemas.openxmlformats.org/officeDocument/2006/customXml" ds:itemID="{F990F116-B58F-4255-B05B-DA3808E0E5C6}">
-  <ds:schemaRefs>
-    <ds:schemaRef ds:uri="http://schemas.microsoft.com/office/2006/documentManagement/types"/>
-    <ds:schemaRef ds:uri="83cd2334-221a-48c3-9034-bfd1542dfe28"/>
-    <ds:schemaRef ds:uri="http://purl.org/dc/elements/1.1/"/>
-    <ds:schemaRef ds:uri="http://schemas.microsoft.com/office/2006/metadata/properties"/>
-    <ds:schemaRef ds:uri="http://purl.org/dc/terms/"/>
-    <ds:schemaRef ds:uri="http://schemas.microsoft.com/office/infopath/2007/PartnerControls"/>
-    <ds:schemaRef ds:uri="http://schemas.openxmlformats.org/package/2006/metadata/core-properties"/>
-    <ds:schemaRef ds:uri="http://www.w3.org/XML/1998/namespace"/>
-    <ds:schemaRef ds:uri="http://purl.org/dc/dcmitype/"/>
-  </ds:schemaRefs>
-</ds:datastoreItem>
-</file>
-
 <file path=customXml/itemProps8.xml><?xml version="1.0" encoding="utf-8"?>
-<ds:datastoreItem xmlns:ds="http://schemas.openxmlformats.org/officeDocument/2006/customXml" ds:itemID="{82DB428A-B8F8-483F-8276-095629A8ECDB}">
+<ds:datastoreItem xmlns:ds="http://schemas.openxmlformats.org/officeDocument/2006/customXml" ds:itemID="{C0F92A87-A216-45A9-B9C0-0515663D35BF}">
   <ds:schemaRefs>
     <ds:schemaRef ds:uri="http://schemas.microsoft.com/VisualStudio/2011/storyboarding/control"/>
   </ds:schemaRefs>
@@ -52399,7 +53100,7 @@
 </file>
 
 <file path=customXml/itemProps9.xml><?xml version="1.0" encoding="utf-8"?>
-<ds:datastoreItem xmlns:ds="http://schemas.openxmlformats.org/officeDocument/2006/customXml" ds:itemID="{B5105A87-47B6-44F6-97FD-4619C0556604}">
+<ds:datastoreItem xmlns:ds="http://schemas.openxmlformats.org/officeDocument/2006/customXml" ds:itemID="{0B54C583-7BAB-4080-8093-C5F84F5A225A}">
   <ds:schemaRefs>
     <ds:schemaRef ds:uri="http://schemas.microsoft.com/VisualStudio/2011/storyboarding/control"/>
   </ds:schemaRefs>
